--- a/fuentes/contenidos/grado08/guion03/MA_08_03_CO_REC310.pptx
+++ b/fuentes/contenidos/grado08/guion03/MA_08_03_CO_REC310.pptx
@@ -450,7 +450,7 @@
           <a:p>
             <a:fld id="{5001C876-01F7-4317-94B9-1AE222133113}" type="datetimeFigureOut">
               <a:rPr lang="es-ES" smtClean="0"/>
-              <a:t>26/10/2015</a:t>
+              <a:t>04/11/2015</a:t>
             </a:fld>
             <a:endParaRPr lang="es-ES" dirty="0"/>
           </a:p>
@@ -1300,16 +1300,6 @@
               </a:rPr>
               <a:t>n</a:t>
             </a:r>
-            <a:r>
-              <a:rPr lang="es-ES" sz="800" dirty="0" smtClean="0">
-                <a:solidFill>
-                  <a:schemeClr val="tx1"/>
-                </a:solidFill>
-                <a:latin typeface="Arial" panose="020B0604020202020204" pitchFamily="34" charset="0"/>
-                <a:cs typeface="Arial" panose="020B0604020202020204" pitchFamily="34" charset="0"/>
-              </a:rPr>
-              <a:t>.</a:t>
-            </a:r>
             <a:endParaRPr lang="es-ES" sz="800" dirty="0">
               <a:solidFill>
                 <a:schemeClr val="tx1"/>
@@ -1609,7 +1599,17 @@
                 <a:latin typeface="Arial" panose="020B0604020202020204" pitchFamily="34" charset="0"/>
                 <a:cs typeface="Arial" panose="020B0604020202020204" pitchFamily="34" charset="0"/>
               </a:rPr>
-              <a:t> es un número par.</a:t>
+              <a:t> es un número </a:t>
+            </a:r>
+            <a:r>
+              <a:rPr lang="es-ES" sz="800" dirty="0" smtClean="0">
+                <a:solidFill>
+                  <a:schemeClr val="tx1"/>
+                </a:solidFill>
+                <a:latin typeface="Arial" panose="020B0604020202020204" pitchFamily="34" charset="0"/>
+                <a:cs typeface="Arial" panose="020B0604020202020204" pitchFamily="34" charset="0"/>
+              </a:rPr>
+              <a:t>par</a:t>
             </a:r>
             <a:endParaRPr lang="es-ES" sz="800" dirty="0">
               <a:solidFill>
@@ -1690,7 +1690,17 @@
                 <a:latin typeface="Arial" panose="020B0604020202020204" pitchFamily="34" charset="0"/>
                 <a:cs typeface="Arial" panose="020B0604020202020204" pitchFamily="34" charset="0"/>
               </a:rPr>
-              <a:t> es un número impar.</a:t>
+              <a:t> es un número </a:t>
+            </a:r>
+            <a:r>
+              <a:rPr lang="es-ES" sz="800" dirty="0" smtClean="0">
+                <a:solidFill>
+                  <a:schemeClr val="tx1"/>
+                </a:solidFill>
+                <a:latin typeface="Arial" panose="020B0604020202020204" pitchFamily="34" charset="0"/>
+                <a:cs typeface="Arial" panose="020B0604020202020204" pitchFamily="34" charset="0"/>
+              </a:rPr>
+              <a:t>impar</a:t>
             </a:r>
             <a:endParaRPr lang="es-ES" sz="900" dirty="0">
               <a:solidFill>
@@ -3576,7 +3586,7 @@
         <p:spPr>
           <a:xfrm>
             <a:off x="141774" y="4421096"/>
-            <a:ext cx="1242792" cy="396057"/>
+            <a:ext cx="956749" cy="529695"/>
           </a:xfrm>
           <a:prstGeom prst="rect">
             <a:avLst/>
@@ -3675,8 +3685,8 @@
         </p:nvSpPr>
         <p:spPr>
           <a:xfrm>
-            <a:off x="2007687" y="4371696"/>
-            <a:ext cx="1659773" cy="389246"/>
+            <a:off x="2464668" y="4371695"/>
+            <a:ext cx="747648" cy="560675"/>
           </a:xfrm>
           <a:prstGeom prst="rect">
             <a:avLst/>
@@ -3804,12 +3814,12 @@
         </p:nvCxnSpPr>
         <p:spPr>
           <a:xfrm rot="16200000" flipH="1">
-            <a:off x="2660745" y="4194866"/>
-            <a:ext cx="335837" cy="17822"/>
+            <a:off x="2661203" y="4194406"/>
+            <a:ext cx="335838" cy="18739"/>
           </a:xfrm>
           <a:prstGeom prst="bentConnector3">
             <a:avLst>
-              <a:gd name="adj1" fmla="val 100326"/>
+              <a:gd name="adj1" fmla="val 50000"/>
             </a:avLst>
           </a:prstGeom>
           <a:ln w="12700">
@@ -4708,270 +4718,296 @@
           </a:fontRef>
         </p:style>
       </p:cxnSp>
-      <p:pic>
-        <p:nvPicPr>
-          <p:cNvPr id="8" name="Imagen 7"/>
-          <p:cNvPicPr>
-            <a:picLocks noChangeAspect="1"/>
-          </p:cNvPicPr>
-          <p:nvPr/>
-        </p:nvPicPr>
-        <p:blipFill>
-          <a:blip r:embed="rId2" cstate="print">
-            <a:extLst>
-              <a:ext uri="{28A0092B-C50C-407E-A947-70E740481C1C}">
-                <a14:useLocalDpi xmlns:a14="http://schemas.microsoft.com/office/drawing/2010/main" val="0"/>
-              </a:ext>
-            </a:extLst>
-          </a:blip>
-          <a:stretch>
-            <a:fillRect/>
-          </a:stretch>
-        </p:blipFill>
-        <p:spPr>
-          <a:xfrm>
-            <a:off x="3642146" y="6242162"/>
-            <a:ext cx="2151392" cy="122532"/>
+      <p:sp>
+        <p:nvSpPr>
+          <p:cNvPr id="9" name="CuadroTexto 8"/>
+          <p:cNvSpPr txBox="1"/>
+          <p:nvPr/>
+        </p:nvSpPr>
+        <p:spPr>
+          <a:xfrm>
+            <a:off x="1200351" y="4942048"/>
+            <a:ext cx="1264317" cy="276999"/>
           </a:xfrm>
           <a:prstGeom prst="rect">
             <a:avLst/>
           </a:prstGeom>
-        </p:spPr>
-      </p:pic>
-      <p:pic>
-        <p:nvPicPr>
-          <p:cNvPr id="11" name="Imagen 10"/>
-          <p:cNvPicPr>
-            <a:picLocks noChangeAspect="1"/>
-          </p:cNvPicPr>
-          <p:nvPr/>
-        </p:nvPicPr>
-        <p:blipFill>
-          <a:blip r:embed="rId3" cstate="print">
-            <a:extLst>
-              <a:ext uri="{28A0092B-C50C-407E-A947-70E740481C1C}">
-                <a14:useLocalDpi xmlns:a14="http://schemas.microsoft.com/office/drawing/2010/main" val="0"/>
-              </a:ext>
-            </a:extLst>
-          </a:blip>
-          <a:stretch>
-            <a:fillRect/>
-          </a:stretch>
-        </p:blipFill>
-        <p:spPr>
-          <a:xfrm>
-            <a:off x="1289398" y="5022330"/>
-            <a:ext cx="1122656" cy="125486"/>
+          <a:noFill/>
+        </p:spPr>
+        <p:txBody>
+          <a:bodyPr wrap="square" rtlCol="0">
+            <a:spAutoFit/>
+          </a:bodyPr>
+          <a:lstStyle/>
+          <a:p>
+            <a:r>
+              <a:rPr lang="es-CO" sz="1200" dirty="0" smtClean="0"/>
+              <a:t>MA_08_03_008</a:t>
+            </a:r>
+            <a:endParaRPr lang="es-CO" dirty="0"/>
+          </a:p>
+        </p:txBody>
+      </p:sp>
+      <p:sp>
+        <p:nvSpPr>
+          <p:cNvPr id="103" name="CuadroTexto 102"/>
+          <p:cNvSpPr txBox="1"/>
+          <p:nvPr/>
+        </p:nvSpPr>
+        <p:spPr>
+          <a:xfrm>
+            <a:off x="77385" y="4439832"/>
+            <a:ext cx="1962535" cy="553998"/>
           </a:xfrm>
           <a:prstGeom prst="rect">
             <a:avLst/>
           </a:prstGeom>
-        </p:spPr>
-      </p:pic>
-      <p:pic>
-        <p:nvPicPr>
-          <p:cNvPr id="21" name="Imagen 20"/>
-          <p:cNvPicPr>
-            <a:picLocks noChangeAspect="1"/>
-          </p:cNvPicPr>
-          <p:nvPr/>
-        </p:nvPicPr>
-        <p:blipFill>
-          <a:blip r:embed="rId4" cstate="print">
-            <a:extLst>
-              <a:ext uri="{28A0092B-C50C-407E-A947-70E740481C1C}">
-                <a14:useLocalDpi xmlns:a14="http://schemas.microsoft.com/office/drawing/2010/main" val="0"/>
-              </a:ext>
-            </a:extLst>
-          </a:blip>
-          <a:stretch>
-            <a:fillRect/>
-          </a:stretch>
-        </p:blipFill>
-        <p:spPr>
-          <a:xfrm>
-            <a:off x="215450" y="4471055"/>
-            <a:ext cx="1112385" cy="301466"/>
+          <a:noFill/>
+        </p:spPr>
+        <p:txBody>
+          <a:bodyPr wrap="square" rtlCol="0">
+            <a:spAutoFit/>
+          </a:bodyPr>
+          <a:lstStyle/>
+          <a:p>
+            <a:r>
+              <a:rPr lang="es-CO" sz="1200" dirty="0" smtClean="0"/>
+              <a:t>MA_08_03_006</a:t>
+            </a:r>
+          </a:p>
+          <a:p>
+            <a:r>
+              <a:rPr lang="es-CO" sz="1200" dirty="0" smtClean="0"/>
+              <a:t>MA_08_03_007</a:t>
+            </a:r>
+            <a:r>
+              <a:rPr lang="es-CO" dirty="0" smtClean="0"/>
+              <a:t> </a:t>
+            </a:r>
+            <a:endParaRPr lang="es-CO" dirty="0"/>
+          </a:p>
+        </p:txBody>
+      </p:sp>
+      <p:sp>
+        <p:nvSpPr>
+          <p:cNvPr id="104" name="CuadroTexto 103"/>
+          <p:cNvSpPr txBox="1"/>
+          <p:nvPr/>
+        </p:nvSpPr>
+        <p:spPr>
+          <a:xfrm>
+            <a:off x="2276518" y="4385995"/>
+            <a:ext cx="1962535" cy="553998"/>
           </a:xfrm>
           <a:prstGeom prst="rect">
             <a:avLst/>
           </a:prstGeom>
-        </p:spPr>
-      </p:pic>
-      <p:pic>
-        <p:nvPicPr>
-          <p:cNvPr id="22" name="Imagen 21"/>
-          <p:cNvPicPr>
-            <a:picLocks noChangeAspect="1"/>
-          </p:cNvPicPr>
-          <p:nvPr/>
-        </p:nvPicPr>
-        <p:blipFill>
-          <a:blip r:embed="rId5" cstate="print">
-            <a:extLst>
-              <a:ext uri="{28A0092B-C50C-407E-A947-70E740481C1C}">
-                <a14:useLocalDpi xmlns:a14="http://schemas.microsoft.com/office/drawing/2010/main" val="0"/>
-              </a:ext>
-            </a:extLst>
-          </a:blip>
-          <a:stretch>
-            <a:fillRect/>
-          </a:stretch>
-        </p:blipFill>
-        <p:spPr>
-          <a:xfrm>
-            <a:off x="3154041" y="5320063"/>
-            <a:ext cx="1171920" cy="112346"/>
+          <a:noFill/>
+        </p:spPr>
+        <p:txBody>
+          <a:bodyPr wrap="square" rtlCol="0">
+            <a:spAutoFit/>
+          </a:bodyPr>
+          <a:lstStyle/>
+          <a:p>
+            <a:r>
+              <a:rPr lang="es-CO" sz="1200" dirty="0" smtClean="0"/>
+              <a:t>MA_08_03_009</a:t>
+            </a:r>
+          </a:p>
+          <a:p>
+            <a:r>
+              <a:rPr lang="es-CO" sz="1200" dirty="0" smtClean="0"/>
+              <a:t>MA_08_03_010</a:t>
+            </a:r>
+            <a:r>
+              <a:rPr lang="es-CO" dirty="0" smtClean="0"/>
+              <a:t> </a:t>
+            </a:r>
+            <a:endParaRPr lang="es-CO" dirty="0"/>
+          </a:p>
+        </p:txBody>
+      </p:sp>
+      <p:sp>
+        <p:nvSpPr>
+          <p:cNvPr id="105" name="CuadroTexto 104"/>
+          <p:cNvSpPr txBox="1"/>
+          <p:nvPr/>
+        </p:nvSpPr>
+        <p:spPr>
+          <a:xfrm>
+            <a:off x="3192263" y="5224654"/>
+            <a:ext cx="1264317" cy="276999"/>
           </a:xfrm>
           <a:prstGeom prst="rect">
             <a:avLst/>
           </a:prstGeom>
-        </p:spPr>
-      </p:pic>
-      <p:pic>
-        <p:nvPicPr>
-          <p:cNvPr id="3" name="Imagen 2"/>
-          <p:cNvPicPr>
-            <a:picLocks noChangeAspect="1"/>
-          </p:cNvPicPr>
-          <p:nvPr/>
-        </p:nvPicPr>
-        <p:blipFill>
-          <a:blip r:embed="rId6" cstate="print">
-            <a:extLst>
-              <a:ext uri="{28A0092B-C50C-407E-A947-70E740481C1C}">
-                <a14:useLocalDpi xmlns:a14="http://schemas.microsoft.com/office/drawing/2010/main" val="0"/>
-              </a:ext>
-            </a:extLst>
-          </a:blip>
-          <a:stretch>
-            <a:fillRect/>
-          </a:stretch>
-        </p:blipFill>
-        <p:spPr>
-          <a:xfrm>
-            <a:off x="6829081" y="3422920"/>
-            <a:ext cx="395444" cy="239663"/>
+          <a:noFill/>
+        </p:spPr>
+        <p:txBody>
+          <a:bodyPr wrap="square" rtlCol="0">
+            <a:spAutoFit/>
+          </a:bodyPr>
+          <a:lstStyle/>
+          <a:p>
+            <a:r>
+              <a:rPr lang="es-CO" sz="1200" dirty="0" smtClean="0"/>
+              <a:t>MA_08_03_011</a:t>
+            </a:r>
+            <a:endParaRPr lang="es-CO" dirty="0"/>
+          </a:p>
+        </p:txBody>
+      </p:sp>
+      <p:sp>
+        <p:nvSpPr>
+          <p:cNvPr id="106" name="CuadroTexto 105"/>
+          <p:cNvSpPr txBox="1"/>
+          <p:nvPr/>
+        </p:nvSpPr>
+        <p:spPr>
+          <a:xfrm>
+            <a:off x="3972848" y="6167991"/>
+            <a:ext cx="1264317" cy="276999"/>
           </a:xfrm>
           <a:prstGeom prst="rect">
             <a:avLst/>
           </a:prstGeom>
-        </p:spPr>
-      </p:pic>
-      <p:pic>
-        <p:nvPicPr>
-          <p:cNvPr id="5" name="Imagen 4"/>
-          <p:cNvPicPr>
-            <a:picLocks noChangeAspect="1"/>
-          </p:cNvPicPr>
-          <p:nvPr/>
-        </p:nvPicPr>
-        <p:blipFill>
-          <a:blip r:embed="rId7">
-            <a:extLst>
-              <a:ext uri="{28A0092B-C50C-407E-A947-70E740481C1C}">
-                <a14:useLocalDpi xmlns:a14="http://schemas.microsoft.com/office/drawing/2010/main" val="0"/>
-              </a:ext>
-            </a:extLst>
-          </a:blip>
-          <a:stretch>
-            <a:fillRect/>
-          </a:stretch>
-        </p:blipFill>
-        <p:spPr>
-          <a:xfrm>
-            <a:off x="7637265" y="3431788"/>
-            <a:ext cx="428413" cy="259644"/>
+          <a:noFill/>
+        </p:spPr>
+        <p:txBody>
+          <a:bodyPr wrap="square" rtlCol="0">
+            <a:spAutoFit/>
+          </a:bodyPr>
+          <a:lstStyle/>
+          <a:p>
+            <a:r>
+              <a:rPr lang="es-CO" sz="1200" dirty="0" smtClean="0"/>
+              <a:t>MA_08_03_012</a:t>
+            </a:r>
+            <a:endParaRPr lang="es-CO" dirty="0"/>
+          </a:p>
+        </p:txBody>
+      </p:sp>
+      <p:sp>
+        <p:nvSpPr>
+          <p:cNvPr id="107" name="CuadroTexto 106"/>
+          <p:cNvSpPr txBox="1"/>
+          <p:nvPr/>
+        </p:nvSpPr>
+        <p:spPr>
+          <a:xfrm>
+            <a:off x="5453334" y="2771960"/>
+            <a:ext cx="1264317" cy="276999"/>
           </a:xfrm>
           <a:prstGeom prst="rect">
             <a:avLst/>
           </a:prstGeom>
-        </p:spPr>
-      </p:pic>
-      <p:pic>
-        <p:nvPicPr>
-          <p:cNvPr id="6" name="Imagen 5"/>
-          <p:cNvPicPr>
-            <a:picLocks noChangeAspect="1"/>
-          </p:cNvPicPr>
-          <p:nvPr/>
-        </p:nvPicPr>
-        <p:blipFill>
-          <a:blip r:embed="rId8">
-            <a:extLst>
-              <a:ext uri="{28A0092B-C50C-407E-A947-70E740481C1C}">
-                <a14:useLocalDpi xmlns:a14="http://schemas.microsoft.com/office/drawing/2010/main" val="0"/>
-              </a:ext>
-            </a:extLst>
-          </a:blip>
-          <a:stretch>
-            <a:fillRect/>
-          </a:stretch>
-        </p:blipFill>
-        <p:spPr>
-          <a:xfrm>
-            <a:off x="8276184" y="3414750"/>
-            <a:ext cx="413803" cy="272836"/>
+          <a:noFill/>
+        </p:spPr>
+        <p:txBody>
+          <a:bodyPr wrap="square" rtlCol="0">
+            <a:spAutoFit/>
+          </a:bodyPr>
+          <a:lstStyle/>
+          <a:p>
+            <a:r>
+              <a:rPr lang="es-CO" sz="1200" dirty="0" smtClean="0"/>
+              <a:t>MA_08_03_013</a:t>
+            </a:r>
+            <a:endParaRPr lang="es-CO" dirty="0"/>
+          </a:p>
+        </p:txBody>
+      </p:sp>
+      <p:sp>
+        <p:nvSpPr>
+          <p:cNvPr id="108" name="CuadroTexto 107"/>
+          <p:cNvSpPr txBox="1"/>
+          <p:nvPr/>
+        </p:nvSpPr>
+        <p:spPr>
+          <a:xfrm>
+            <a:off x="6393357" y="3348717"/>
+            <a:ext cx="1264317" cy="276999"/>
           </a:xfrm>
           <a:prstGeom prst="rect">
             <a:avLst/>
           </a:prstGeom>
-        </p:spPr>
-      </p:pic>
-      <p:pic>
-        <p:nvPicPr>
-          <p:cNvPr id="7" name="Imagen 6"/>
-          <p:cNvPicPr>
-            <a:picLocks noChangeAspect="1"/>
-          </p:cNvPicPr>
-          <p:nvPr/>
-        </p:nvPicPr>
-        <p:blipFill>
-          <a:blip r:embed="rId9" cstate="print">
-            <a:extLst>
-              <a:ext uri="{28A0092B-C50C-407E-A947-70E740481C1C}">
-                <a14:useLocalDpi xmlns:a14="http://schemas.microsoft.com/office/drawing/2010/main" val="0"/>
-              </a:ext>
-            </a:extLst>
-          </a:blip>
-          <a:stretch>
-            <a:fillRect/>
-          </a:stretch>
-        </p:blipFill>
-        <p:spPr>
-          <a:xfrm>
-            <a:off x="5833627" y="2872177"/>
-            <a:ext cx="404896" cy="135890"/>
+          <a:noFill/>
+        </p:spPr>
+        <p:txBody>
+          <a:bodyPr wrap="square" rtlCol="0">
+            <a:spAutoFit/>
+          </a:bodyPr>
+          <a:lstStyle/>
+          <a:p>
+            <a:r>
+              <a:rPr lang="es-CO" sz="1200" dirty="0" smtClean="0"/>
+              <a:t>MA_08_03_014</a:t>
+            </a:r>
+            <a:endParaRPr lang="es-CO" dirty="0"/>
+          </a:p>
+        </p:txBody>
+      </p:sp>
+      <p:sp>
+        <p:nvSpPr>
+          <p:cNvPr id="109" name="CuadroTexto 108"/>
+          <p:cNvSpPr txBox="1"/>
+          <p:nvPr/>
+        </p:nvSpPr>
+        <p:spPr>
+          <a:xfrm>
+            <a:off x="7119337" y="3514081"/>
+            <a:ext cx="1264317" cy="276999"/>
           </a:xfrm>
           <a:prstGeom prst="rect">
             <a:avLst/>
           </a:prstGeom>
-        </p:spPr>
-      </p:pic>
-      <p:pic>
-        <p:nvPicPr>
-          <p:cNvPr id="2" name="Imagen 1"/>
-          <p:cNvPicPr>
-            <a:picLocks noChangeAspect="1"/>
-          </p:cNvPicPr>
-          <p:nvPr/>
-        </p:nvPicPr>
-        <p:blipFill>
-          <a:blip r:embed="rId10"/>
-          <a:stretch>
-            <a:fillRect/>
-          </a:stretch>
-        </p:blipFill>
-        <p:spPr>
-          <a:xfrm>
-            <a:off x="2010873" y="4389199"/>
-            <a:ext cx="1762125" cy="381000"/>
+          <a:noFill/>
+        </p:spPr>
+        <p:txBody>
+          <a:bodyPr wrap="square" rtlCol="0">
+            <a:spAutoFit/>
+          </a:bodyPr>
+          <a:lstStyle/>
+          <a:p>
+            <a:r>
+              <a:rPr lang="es-CO" sz="1200" dirty="0" smtClean="0"/>
+              <a:t>MA_08_03_015</a:t>
+            </a:r>
+            <a:endParaRPr lang="es-CO" dirty="0"/>
+          </a:p>
+        </p:txBody>
+      </p:sp>
+      <p:sp>
+        <p:nvSpPr>
+          <p:cNvPr id="110" name="CuadroTexto 109"/>
+          <p:cNvSpPr txBox="1"/>
+          <p:nvPr/>
+        </p:nvSpPr>
+        <p:spPr>
+          <a:xfrm>
+            <a:off x="8019021" y="3325966"/>
+            <a:ext cx="1264317" cy="276999"/>
           </a:xfrm>
           <a:prstGeom prst="rect">
             <a:avLst/>
           </a:prstGeom>
-        </p:spPr>
-      </p:pic>
+          <a:noFill/>
+        </p:spPr>
+        <p:txBody>
+          <a:bodyPr wrap="square" rtlCol="0">
+            <a:spAutoFit/>
+          </a:bodyPr>
+          <a:lstStyle/>
+          <a:p>
+            <a:r>
+              <a:rPr lang="es-CO" sz="1200" dirty="0" smtClean="0"/>
+              <a:t>MA_08_03_016</a:t>
+            </a:r>
+            <a:endParaRPr lang="es-CO" dirty="0"/>
+          </a:p>
+        </p:txBody>
+      </p:sp>
     </p:spTree>
     <p:extLst>
       <p:ext uri="{BB962C8B-B14F-4D97-AF65-F5344CB8AC3E}">

--- a/fuentes/contenidos/grado08/guion03/MA_08_03_CO_REC310.pptx
+++ b/fuentes/contenidos/grado08/guion03/MA_08_03_CO_REC310.pptx
@@ -450,7 +450,7 @@
           <a:p>
             <a:fld id="{5001C876-01F7-4317-94B9-1AE222133113}" type="datetimeFigureOut">
               <a:rPr lang="es-ES" smtClean="0"/>
-              <a:t>04/11/2015</a:t>
+              <a:t>24/11/2015</a:t>
             </a:fld>
             <a:endParaRPr lang="es-ES" dirty="0"/>
           </a:p>
@@ -1599,17 +1599,7 @@
                 <a:latin typeface="Arial" panose="020B0604020202020204" pitchFamily="34" charset="0"/>
                 <a:cs typeface="Arial" panose="020B0604020202020204" pitchFamily="34" charset="0"/>
               </a:rPr>
-              <a:t> es un número </a:t>
-            </a:r>
-            <a:r>
-              <a:rPr lang="es-ES" sz="800" dirty="0" smtClean="0">
-                <a:solidFill>
-                  <a:schemeClr val="tx1"/>
-                </a:solidFill>
-                <a:latin typeface="Arial" panose="020B0604020202020204" pitchFamily="34" charset="0"/>
-                <a:cs typeface="Arial" panose="020B0604020202020204" pitchFamily="34" charset="0"/>
-              </a:rPr>
-              <a:t>par</a:t>
+              <a:t> es un número par</a:t>
             </a:r>
             <a:endParaRPr lang="es-ES" sz="800" dirty="0">
               <a:solidFill>
@@ -1690,17 +1680,7 @@
                 <a:latin typeface="Arial" panose="020B0604020202020204" pitchFamily="34" charset="0"/>
                 <a:cs typeface="Arial" panose="020B0604020202020204" pitchFamily="34" charset="0"/>
               </a:rPr>
-              <a:t> es un número </a:t>
-            </a:r>
-            <a:r>
-              <a:rPr lang="es-ES" sz="800" dirty="0" smtClean="0">
-                <a:solidFill>
-                  <a:schemeClr val="tx1"/>
-                </a:solidFill>
-                <a:latin typeface="Arial" panose="020B0604020202020204" pitchFamily="34" charset="0"/>
-                <a:cs typeface="Arial" panose="020B0604020202020204" pitchFamily="34" charset="0"/>
-              </a:rPr>
-              <a:t>impar</a:t>
+              <a:t> es un número impar</a:t>
             </a:r>
             <a:endParaRPr lang="es-ES" sz="900" dirty="0">
               <a:solidFill>
@@ -2661,138 +2641,6 @@
       </p:sp>
       <p:sp>
         <p:nvSpPr>
-          <p:cNvPr id="364" name="CuadroTexto 363" descr="Conector entre nodos" title="conector"/>
-          <p:cNvSpPr txBox="1"/>
-          <p:nvPr/>
-        </p:nvSpPr>
-        <p:spPr>
-          <a:xfrm>
-            <a:off x="5211239" y="3970778"/>
-            <a:ext cx="1572192" cy="215444"/>
-          </a:xfrm>
-          <a:prstGeom prst="rect">
-            <a:avLst/>
-          </a:prstGeom>
-          <a:noFill/>
-        </p:spPr>
-        <p:txBody>
-          <a:bodyPr wrap="square" rtlCol="0">
-            <a:spAutoFit/>
-          </a:bodyPr>
-          <a:lstStyle/>
-          <a:p>
-            <a:pPr algn="ctr"/>
-            <a:r>
-              <a:rPr lang="es-ES" sz="800" dirty="0" smtClean="0">
-                <a:latin typeface="Arial" panose="020B0604020202020204" pitchFamily="34" charset="0"/>
-                <a:cs typeface="Arial" panose="020B0604020202020204" pitchFamily="34" charset="0"/>
-              </a:rPr>
-              <a:t>algunas características son</a:t>
-            </a:r>
-            <a:endParaRPr lang="es-ES" sz="800" dirty="0">
-              <a:latin typeface="Arial" panose="020B0604020202020204" pitchFamily="34" charset="0"/>
-              <a:cs typeface="Arial" panose="020B0604020202020204" pitchFamily="34" charset="0"/>
-            </a:endParaRPr>
-          </a:p>
-        </p:txBody>
-      </p:sp>
-      <p:sp>
-        <p:nvSpPr>
-          <p:cNvPr id="365" name="Rectángulo 364" descr="Nodo de cuarto nivel&#10;" title="Nodo04"/>
-          <p:cNvSpPr/>
-          <p:nvPr/>
-        </p:nvSpPr>
-        <p:spPr>
-          <a:xfrm>
-            <a:off x="5388228" y="4449954"/>
-            <a:ext cx="1244491" cy="1562926"/>
-          </a:xfrm>
-          <a:prstGeom prst="rect">
-            <a:avLst/>
-          </a:prstGeom>
-          <a:noFill/>
-          <a:ln>
-            <a:solidFill>
-              <a:schemeClr val="tx1"/>
-            </a:solidFill>
-          </a:ln>
-        </p:spPr>
-        <p:style>
-          <a:lnRef idx="2">
-            <a:schemeClr val="accent6"/>
-          </a:lnRef>
-          <a:fillRef idx="1">
-            <a:schemeClr val="lt1"/>
-          </a:fillRef>
-          <a:effectRef idx="0">
-            <a:schemeClr val="accent6"/>
-          </a:effectRef>
-          <a:fontRef idx="minor">
-            <a:schemeClr val="dk1"/>
-          </a:fontRef>
-        </p:style>
-        <p:txBody>
-          <a:bodyPr rtlCol="0" anchor="ctr"/>
-          <a:lstStyle/>
-          <a:p>
-            <a:pPr marL="171450" indent="-171450">
-              <a:buFont typeface="Arial" panose="020B0604020202020204" pitchFamily="34" charset="0"/>
-              <a:buChar char="•"/>
-            </a:pPr>
-            <a:r>
-              <a:rPr lang="es-ES" sz="800" dirty="0" smtClean="0">
-                <a:solidFill>
-                  <a:schemeClr val="tx1"/>
-                </a:solidFill>
-                <a:latin typeface="Arial" panose="020B0604020202020204" pitchFamily="34" charset="0"/>
-                <a:cs typeface="Arial" panose="020B0604020202020204" pitchFamily="34" charset="0"/>
-              </a:rPr>
-              <a:t>cada término es la suma de los dos términos de la fila anterior.</a:t>
-            </a:r>
-          </a:p>
-          <a:p>
-            <a:pPr marL="171450" indent="-171450">
-              <a:buFont typeface="Arial" panose="020B0604020202020204" pitchFamily="34" charset="0"/>
-              <a:buChar char="•"/>
-            </a:pPr>
-            <a:r>
-              <a:rPr lang="es-ES" sz="800" dirty="0" smtClean="0">
-                <a:solidFill>
-                  <a:schemeClr val="tx1"/>
-                </a:solidFill>
-                <a:latin typeface="Arial" panose="020B0604020202020204" pitchFamily="34" charset="0"/>
-                <a:cs typeface="Arial" panose="020B0604020202020204" pitchFamily="34" charset="0"/>
-              </a:rPr>
-              <a:t>si es la potencia de una adición todos los signos son positivos.</a:t>
-            </a:r>
-          </a:p>
-          <a:p>
-            <a:pPr marL="171450" indent="-171450">
-              <a:buFont typeface="Arial" panose="020B0604020202020204" pitchFamily="34" charset="0"/>
-              <a:buChar char="•"/>
-            </a:pPr>
-            <a:r>
-              <a:rPr lang="es-ES" sz="800" dirty="0" smtClean="0">
-                <a:solidFill>
-                  <a:schemeClr val="tx1"/>
-                </a:solidFill>
-                <a:latin typeface="Arial" panose="020B0604020202020204" pitchFamily="34" charset="0"/>
-                <a:cs typeface="Arial" panose="020B0604020202020204" pitchFamily="34" charset="0"/>
-              </a:rPr>
-              <a:t>si es la potencia de una sustracción los signos van intercalados.</a:t>
-            </a:r>
-            <a:endParaRPr lang="es-ES" sz="800" dirty="0">
-              <a:solidFill>
-                <a:schemeClr val="tx1"/>
-              </a:solidFill>
-              <a:latin typeface="Arial" panose="020B0604020202020204" pitchFamily="34" charset="0"/>
-              <a:cs typeface="Arial" panose="020B0604020202020204" pitchFamily="34" charset="0"/>
-            </a:endParaRPr>
-          </a:p>
-        </p:txBody>
-      </p:sp>
-      <p:sp>
-        <p:nvSpPr>
           <p:cNvPr id="366" name="Rectángulo 365" descr="Nodo de primer nivel" title="Nodo01"/>
           <p:cNvSpPr/>
           <p:nvPr/>
@@ -4255,84 +4103,6 @@
           <a:prstGeom prst="bentConnector3">
             <a:avLst>
               <a:gd name="adj1" fmla="val 105070"/>
-            </a:avLst>
-          </a:prstGeom>
-          <a:ln w="12700">
-            <a:solidFill>
-              <a:schemeClr val="tx1"/>
-            </a:solidFill>
-          </a:ln>
-        </p:spPr>
-        <p:style>
-          <a:lnRef idx="1">
-            <a:schemeClr val="accent1"/>
-          </a:lnRef>
-          <a:fillRef idx="0">
-            <a:schemeClr val="accent1"/>
-          </a:fillRef>
-          <a:effectRef idx="0">
-            <a:schemeClr val="accent1"/>
-          </a:effectRef>
-          <a:fontRef idx="minor">
-            <a:schemeClr val="tx1"/>
-          </a:fontRef>
-        </p:style>
-      </p:cxnSp>
-      <p:cxnSp>
-        <p:nvCxnSpPr>
-          <p:cNvPr id="351" name="Conector angular 350"/>
-          <p:cNvCxnSpPr>
-            <a:stCxn id="363" idx="2"/>
-          </p:cNvCxnSpPr>
-          <p:nvPr/>
-        </p:nvCxnSpPr>
-        <p:spPr>
-          <a:xfrm rot="16200000" flipH="1">
-            <a:off x="5928334" y="3956600"/>
-            <a:ext cx="154094" cy="334"/>
-          </a:xfrm>
-          <a:prstGeom prst="bentConnector3">
-            <a:avLst>
-              <a:gd name="adj1" fmla="val 50000"/>
-            </a:avLst>
-          </a:prstGeom>
-          <a:ln w="12700">
-            <a:solidFill>
-              <a:schemeClr val="tx1"/>
-            </a:solidFill>
-          </a:ln>
-        </p:spPr>
-        <p:style>
-          <a:lnRef idx="1">
-            <a:schemeClr val="accent1"/>
-          </a:lnRef>
-          <a:fillRef idx="0">
-            <a:schemeClr val="accent1"/>
-          </a:fillRef>
-          <a:effectRef idx="0">
-            <a:schemeClr val="accent1"/>
-          </a:effectRef>
-          <a:fontRef idx="minor">
-            <a:schemeClr val="tx1"/>
-          </a:fontRef>
-        </p:style>
-      </p:cxnSp>
-      <p:cxnSp>
-        <p:nvCxnSpPr>
-          <p:cNvPr id="352" name="Conector angular 351"/>
-          <p:cNvCxnSpPr>
-            <a:endCxn id="365" idx="0"/>
-          </p:cNvCxnSpPr>
-          <p:nvPr/>
-        </p:nvCxnSpPr>
-        <p:spPr>
-          <a:xfrm rot="5400000">
-            <a:off x="5886513" y="4310184"/>
-            <a:ext cx="263731" cy="15808"/>
-          </a:xfrm>
-          <a:prstGeom prst="bentConnector3">
-            <a:avLst>
-              <a:gd name="adj1" fmla="val -2121"/>
             </a:avLst>
           </a:prstGeom>
           <a:ln w="12700">

--- a/fuentes/contenidos/grado08/guion03/MA_08_03_CO_REC310.pptx
+++ b/fuentes/contenidos/grado08/guion03/MA_08_03_CO_REC310.pptx
@@ -450,7 +450,7 @@
           <a:p>
             <a:fld id="{5001C876-01F7-4317-94B9-1AE222133113}" type="datetimeFigureOut">
               <a:rPr lang="es-ES" smtClean="0"/>
-              <a:t>24/11/2015</a:t>
+              <a:t>25/11/2015</a:t>
             </a:fld>
             <a:endParaRPr lang="es-ES" dirty="0"/>
           </a:p>
@@ -1193,8 +1193,8 @@
         </p:nvSpPr>
         <p:spPr>
           <a:xfrm>
-            <a:off x="6783431" y="3366768"/>
-            <a:ext cx="441094" cy="343441"/>
+            <a:off x="6675457" y="3199306"/>
+            <a:ext cx="549068" cy="510903"/>
           </a:xfrm>
           <a:prstGeom prst="rect">
             <a:avLst/>
@@ -1247,7 +1247,7 @@
         </p:nvSpPr>
         <p:spPr>
           <a:xfrm>
-            <a:off x="6717651" y="4055860"/>
+            <a:off x="6552428" y="4033553"/>
             <a:ext cx="841529" cy="534222"/>
           </a:xfrm>
           <a:prstGeom prst="rect">
@@ -1321,8 +1321,8 @@
         </p:nvCxnSpPr>
         <p:spPr>
           <a:xfrm rot="5400000">
-            <a:off x="7116768" y="2578709"/>
-            <a:ext cx="675270" cy="900849"/>
+            <a:off x="7173505" y="2467984"/>
+            <a:ext cx="507808" cy="954836"/>
           </a:xfrm>
           <a:prstGeom prst="bentConnector3">
             <a:avLst>
@@ -1432,8 +1432,8 @@
         </p:nvSpPr>
         <p:spPr>
           <a:xfrm>
-            <a:off x="7582509" y="3386059"/>
-            <a:ext cx="494822" cy="343441"/>
+            <a:off x="7430113" y="3227097"/>
+            <a:ext cx="647218" cy="502404"/>
           </a:xfrm>
           <a:prstGeom prst="rect">
             <a:avLst/>
@@ -1486,8 +1486,8 @@
         </p:nvSpPr>
         <p:spPr>
           <a:xfrm>
-            <a:off x="8224609" y="3373361"/>
-            <a:ext cx="515656" cy="343441"/>
+            <a:off x="8224609" y="3199307"/>
+            <a:ext cx="654262" cy="517496"/>
           </a:xfrm>
           <a:prstGeom prst="rect">
             <a:avLst/>
@@ -1735,12 +1735,12 @@
         </p:nvCxnSpPr>
         <p:spPr>
           <a:xfrm rot="5400000">
-            <a:off x="7712003" y="3202377"/>
-            <a:ext cx="367025" cy="18622"/>
+            <a:off x="7658497" y="3164187"/>
+            <a:ext cx="458722" cy="3305"/>
           </a:xfrm>
           <a:prstGeom prst="bentConnector3">
             <a:avLst>
-              <a:gd name="adj1" fmla="val 94202"/>
+              <a:gd name="adj1" fmla="val 50000"/>
             </a:avLst>
           </a:prstGeom>
           <a:ln w="12700">
@@ -1767,18 +1767,18 @@
       <p:cxnSp>
         <p:nvCxnSpPr>
           <p:cNvPr id="389" name="Conector angular 388"/>
-          <p:cNvCxnSpPr/>
+          <p:cNvCxnSpPr>
+            <a:endCxn id="370" idx="0"/>
+          </p:cNvCxnSpPr>
           <p:nvPr/>
         </p:nvCxnSpPr>
         <p:spPr>
           <a:xfrm>
             <a:off x="7900308" y="3034939"/>
-            <a:ext cx="655129" cy="338422"/>
-          </a:xfrm>
-          <a:prstGeom prst="bentConnector3">
-            <a:avLst>
-              <a:gd name="adj1" fmla="val 84252"/>
-            </a:avLst>
+            <a:ext cx="651432" cy="164368"/>
+          </a:xfrm>
+          <a:prstGeom prst="bentConnector2">
+            <a:avLst/>
           </a:prstGeom>
           <a:ln w="12700">
             <a:solidFill>
@@ -1809,7 +1809,7 @@
         </p:nvSpPr>
         <p:spPr>
           <a:xfrm>
-            <a:off x="479273" y="3090200"/>
+            <a:off x="259977" y="3102090"/>
             <a:ext cx="858018" cy="508918"/>
           </a:xfrm>
           <a:prstGeom prst="rect">
@@ -1876,7 +1876,7 @@
         </p:nvSpPr>
         <p:spPr>
           <a:xfrm>
-            <a:off x="4408475" y="3936065"/>
+            <a:off x="4314490" y="3368437"/>
             <a:ext cx="871185" cy="459356"/>
           </a:xfrm>
           <a:prstGeom prst="rect">
@@ -1940,7 +1940,7 @@
         </p:nvSpPr>
         <p:spPr>
           <a:xfrm>
-            <a:off x="1458395" y="3389708"/>
+            <a:off x="1306989" y="3287764"/>
             <a:ext cx="816526" cy="540029"/>
           </a:xfrm>
           <a:prstGeom prst="rect">
@@ -1997,7 +1997,7 @@
         </p:nvSpPr>
         <p:spPr>
           <a:xfrm>
-            <a:off x="3420427" y="3129259"/>
+            <a:off x="3212164" y="3267015"/>
             <a:ext cx="962099" cy="605225"/>
           </a:xfrm>
           <a:prstGeom prst="rect">
@@ -2077,7 +2077,7 @@
         </p:nvSpPr>
         <p:spPr>
           <a:xfrm>
-            <a:off x="2403160" y="3045137"/>
+            <a:off x="2252640" y="3277315"/>
             <a:ext cx="789103" cy="550478"/>
           </a:xfrm>
           <a:prstGeom prst="rect">
@@ -2888,11 +2888,11 @@
         <p:spPr>
           <a:xfrm>
             <a:off x="711360" y="2822665"/>
-            <a:ext cx="4159026" cy="16743"/>
+            <a:ext cx="4003368" cy="15822"/>
           </a:xfrm>
           <a:prstGeom prst="bentConnector3">
             <a:avLst>
-              <a:gd name="adj1" fmla="val 297"/>
+              <a:gd name="adj1" fmla="val 50000"/>
             </a:avLst>
           </a:prstGeom>
           <a:ln w="12700">
@@ -2956,17 +2956,19 @@
       <p:cxnSp>
         <p:nvCxnSpPr>
           <p:cNvPr id="158" name="Conector angular 157"/>
-          <p:cNvCxnSpPr/>
+          <p:cNvCxnSpPr>
+            <a:endCxn id="533" idx="0"/>
+          </p:cNvCxnSpPr>
           <p:nvPr/>
         </p:nvCxnSpPr>
         <p:spPr>
-          <a:xfrm rot="5400000">
-            <a:off x="1574436" y="3103928"/>
-            <a:ext cx="528789" cy="10078"/>
+          <a:xfrm rot="16200000" flipH="1">
+            <a:off x="1500147" y="3072659"/>
+            <a:ext cx="415900" cy="14309"/>
           </a:xfrm>
           <a:prstGeom prst="bentConnector3">
             <a:avLst>
-              <a:gd name="adj1" fmla="val 101631"/>
+              <a:gd name="adj1" fmla="val 50000"/>
             </a:avLst>
           </a:prstGeom>
           <a:ln w="12700">
@@ -2993,17 +2995,19 @@
       <p:cxnSp>
         <p:nvCxnSpPr>
           <p:cNvPr id="159" name="Conector angular 158"/>
-          <p:cNvCxnSpPr/>
+          <p:cNvCxnSpPr>
+            <a:endCxn id="535" idx="0"/>
+          </p:cNvCxnSpPr>
           <p:nvPr/>
         </p:nvCxnSpPr>
         <p:spPr>
-          <a:xfrm rot="16200000" flipH="1">
-            <a:off x="2695896" y="2930353"/>
-            <a:ext cx="216328" cy="27424"/>
+          <a:xfrm rot="5400000">
+            <a:off x="2464338" y="3077659"/>
+            <a:ext cx="382511" cy="16801"/>
           </a:xfrm>
           <a:prstGeom prst="bentConnector3">
             <a:avLst>
-              <a:gd name="adj1" fmla="val 2277"/>
+              <a:gd name="adj1" fmla="val 50000"/>
             </a:avLst>
           </a:prstGeom>
           <a:ln w="12700">
@@ -3030,17 +3034,19 @@
       <p:cxnSp>
         <p:nvCxnSpPr>
           <p:cNvPr id="160" name="Conector angular 159"/>
-          <p:cNvCxnSpPr/>
+          <p:cNvCxnSpPr>
+            <a:endCxn id="534" idx="0"/>
+          </p:cNvCxnSpPr>
           <p:nvPr/>
         </p:nvCxnSpPr>
         <p:spPr>
           <a:xfrm rot="16200000" flipH="1">
-            <a:off x="3753018" y="2953757"/>
-            <a:ext cx="287329" cy="21306"/>
+            <a:off x="3483139" y="3056939"/>
+            <a:ext cx="420149" cy="1"/>
           </a:xfrm>
           <a:prstGeom prst="bentConnector3">
             <a:avLst>
-              <a:gd name="adj1" fmla="val 4946"/>
+              <a:gd name="adj1" fmla="val 50000"/>
             </a:avLst>
           </a:prstGeom>
           <a:ln w="12700">
@@ -3067,50 +3073,15 @@
       <p:cxnSp>
         <p:nvCxnSpPr>
           <p:cNvPr id="161" name="Conector angular 160"/>
-          <p:cNvCxnSpPr/>
+          <p:cNvCxnSpPr>
+            <a:endCxn id="532" idx="0"/>
+          </p:cNvCxnSpPr>
           <p:nvPr/>
         </p:nvCxnSpPr>
         <p:spPr>
-          <a:xfrm rot="5400000">
-            <a:off x="4332507" y="3382353"/>
-            <a:ext cx="1091721" cy="3047"/>
-          </a:xfrm>
-          <a:prstGeom prst="bentConnector3">
-            <a:avLst>
-              <a:gd name="adj1" fmla="val -543"/>
-            </a:avLst>
-          </a:prstGeom>
-          <a:ln w="12700">
-            <a:solidFill>
-              <a:schemeClr val="tx1"/>
-            </a:solidFill>
-          </a:ln>
-        </p:spPr>
-        <p:style>
-          <a:lnRef idx="1">
-            <a:schemeClr val="accent1"/>
-          </a:lnRef>
-          <a:fillRef idx="0">
-            <a:schemeClr val="accent1"/>
-          </a:fillRef>
-          <a:effectRef idx="0">
-            <a:schemeClr val="accent1"/>
-          </a:effectRef>
-          <a:fontRef idx="minor">
-            <a:schemeClr val="tx1"/>
-          </a:fontRef>
-        </p:style>
-      </p:cxnSp>
-      <p:cxnSp>
-        <p:nvCxnSpPr>
-          <p:cNvPr id="178" name="Conector angular 177"/>
-          <p:cNvCxnSpPr/>
-          <p:nvPr/>
-        </p:nvCxnSpPr>
-        <p:spPr>
           <a:xfrm rot="16200000" flipH="1">
-            <a:off x="495093" y="3854539"/>
-            <a:ext cx="486607" cy="4266"/>
+            <a:off x="4475471" y="3093824"/>
+            <a:ext cx="521573" cy="27651"/>
           </a:xfrm>
           <a:prstGeom prst="bentConnector3">
             <a:avLst>
@@ -3277,668 +3248,6 @@
           </a:fontRef>
         </p:style>
       </p:cxnSp>
-      <p:sp>
-        <p:nvSpPr>
-          <p:cNvPr id="243" name="CuadroTexto 242" descr="Conector entre nodos" title="conector"/>
-          <p:cNvSpPr txBox="1"/>
-          <p:nvPr/>
-        </p:nvSpPr>
-        <p:spPr>
-          <a:xfrm>
-            <a:off x="278333" y="4072014"/>
-            <a:ext cx="1115559" cy="215444"/>
-          </a:xfrm>
-          <a:prstGeom prst="rect">
-            <a:avLst/>
-          </a:prstGeom>
-          <a:noFill/>
-        </p:spPr>
-        <p:txBody>
-          <a:bodyPr wrap="square" rtlCol="0">
-            <a:spAutoFit/>
-          </a:bodyPr>
-          <a:lstStyle/>
-          <a:p>
-            <a:pPr algn="ctr"/>
-            <a:r>
-              <a:rPr lang="es-ES" sz="800" dirty="0" smtClean="0">
-                <a:latin typeface="Arial" panose="020B0604020202020204" pitchFamily="34" charset="0"/>
-                <a:cs typeface="Arial" panose="020B0604020202020204" pitchFamily="34" charset="0"/>
-              </a:rPr>
-              <a:t>su generalización es</a:t>
-            </a:r>
-            <a:endParaRPr lang="es-ES" sz="800" dirty="0">
-              <a:latin typeface="Arial" panose="020B0604020202020204" pitchFamily="34" charset="0"/>
-              <a:cs typeface="Arial" panose="020B0604020202020204" pitchFamily="34" charset="0"/>
-            </a:endParaRPr>
-          </a:p>
-        </p:txBody>
-      </p:sp>
-      <p:sp>
-        <p:nvSpPr>
-          <p:cNvPr id="244" name="CuadroTexto 243" descr="Conector entre nodos" title="conector"/>
-          <p:cNvSpPr txBox="1"/>
-          <p:nvPr/>
-        </p:nvSpPr>
-        <p:spPr>
-          <a:xfrm>
-            <a:off x="1382417" y="4077341"/>
-            <a:ext cx="838459" cy="215444"/>
-          </a:xfrm>
-          <a:prstGeom prst="rect">
-            <a:avLst/>
-          </a:prstGeom>
-          <a:noFill/>
-        </p:spPr>
-        <p:txBody>
-          <a:bodyPr wrap="square" rtlCol="0">
-            <a:spAutoFit/>
-          </a:bodyPr>
-          <a:lstStyle/>
-          <a:p>
-            <a:pPr algn="ctr"/>
-            <a:r>
-              <a:rPr lang="es-ES" sz="800" dirty="0" smtClean="0">
-                <a:latin typeface="Arial" panose="020B0604020202020204" pitchFamily="34" charset="0"/>
-                <a:cs typeface="Arial" panose="020B0604020202020204" pitchFamily="34" charset="0"/>
-              </a:rPr>
-              <a:t>por ejemplo</a:t>
-            </a:r>
-            <a:endParaRPr lang="es-ES" sz="800" dirty="0">
-              <a:latin typeface="Arial" panose="020B0604020202020204" pitchFamily="34" charset="0"/>
-              <a:cs typeface="Arial" panose="020B0604020202020204" pitchFamily="34" charset="0"/>
-            </a:endParaRPr>
-          </a:p>
-        </p:txBody>
-      </p:sp>
-      <p:sp>
-        <p:nvSpPr>
-          <p:cNvPr id="245" name="CuadroTexto 244" descr="Conector entre nodos" title="conector"/>
-          <p:cNvSpPr txBox="1"/>
-          <p:nvPr/>
-        </p:nvSpPr>
-        <p:spPr>
-          <a:xfrm>
-            <a:off x="3427964" y="4820120"/>
-            <a:ext cx="838459" cy="215444"/>
-          </a:xfrm>
-          <a:prstGeom prst="rect">
-            <a:avLst/>
-          </a:prstGeom>
-          <a:noFill/>
-        </p:spPr>
-        <p:txBody>
-          <a:bodyPr wrap="square" rtlCol="0">
-            <a:spAutoFit/>
-          </a:bodyPr>
-          <a:lstStyle/>
-          <a:p>
-            <a:pPr algn="ctr"/>
-            <a:r>
-              <a:rPr lang="es-ES" sz="800" dirty="0" smtClean="0">
-                <a:latin typeface="Arial" panose="020B0604020202020204" pitchFamily="34" charset="0"/>
-                <a:cs typeface="Arial" panose="020B0604020202020204" pitchFamily="34" charset="0"/>
-              </a:rPr>
-              <a:t>por ejemplo</a:t>
-            </a:r>
-            <a:endParaRPr lang="es-ES" sz="800" dirty="0">
-              <a:latin typeface="Arial" panose="020B0604020202020204" pitchFamily="34" charset="0"/>
-              <a:cs typeface="Arial" panose="020B0604020202020204" pitchFamily="34" charset="0"/>
-            </a:endParaRPr>
-          </a:p>
-        </p:txBody>
-      </p:sp>
-      <p:sp>
-        <p:nvSpPr>
-          <p:cNvPr id="246" name="CuadroTexto 245" descr="Conector entre nodos" title="conector"/>
-          <p:cNvSpPr txBox="1"/>
-          <p:nvPr/>
-        </p:nvSpPr>
-        <p:spPr>
-          <a:xfrm>
-            <a:off x="4256111" y="4546503"/>
-            <a:ext cx="981054" cy="215444"/>
-          </a:xfrm>
-          <a:prstGeom prst="rect">
-            <a:avLst/>
-          </a:prstGeom>
-          <a:noFill/>
-        </p:spPr>
-        <p:txBody>
-          <a:bodyPr wrap="square" rtlCol="0">
-            <a:spAutoFit/>
-          </a:bodyPr>
-          <a:lstStyle/>
-          <a:p>
-            <a:pPr algn="ctr"/>
-            <a:r>
-              <a:rPr lang="es-ES" sz="800" dirty="0" smtClean="0">
-                <a:latin typeface="Arial" panose="020B0604020202020204" pitchFamily="34" charset="0"/>
-                <a:cs typeface="Arial" panose="020B0604020202020204" pitchFamily="34" charset="0"/>
-              </a:rPr>
-              <a:t>se expresa como</a:t>
-            </a:r>
-            <a:endParaRPr lang="es-ES" sz="800" dirty="0">
-              <a:latin typeface="Arial" panose="020B0604020202020204" pitchFamily="34" charset="0"/>
-              <a:cs typeface="Arial" panose="020B0604020202020204" pitchFamily="34" charset="0"/>
-            </a:endParaRPr>
-          </a:p>
-        </p:txBody>
-      </p:sp>
-      <p:sp>
-        <p:nvSpPr>
-          <p:cNvPr id="253" name="Rectángulo 252" descr="Nodo de cuarto nivel&#10;" title="Nodo04"/>
-          <p:cNvSpPr/>
-          <p:nvPr/>
-        </p:nvSpPr>
-        <p:spPr>
-          <a:xfrm>
-            <a:off x="141774" y="4421096"/>
-            <a:ext cx="956749" cy="529695"/>
-          </a:xfrm>
-          <a:prstGeom prst="rect">
-            <a:avLst/>
-          </a:prstGeom>
-          <a:noFill/>
-          <a:ln>
-            <a:solidFill>
-              <a:schemeClr val="tx1"/>
-            </a:solidFill>
-          </a:ln>
-        </p:spPr>
-        <p:style>
-          <a:lnRef idx="2">
-            <a:schemeClr val="accent6"/>
-          </a:lnRef>
-          <a:fillRef idx="1">
-            <a:schemeClr val="lt1"/>
-          </a:fillRef>
-          <a:effectRef idx="0">
-            <a:schemeClr val="accent6"/>
-          </a:effectRef>
-          <a:fontRef idx="minor">
-            <a:schemeClr val="dk1"/>
-          </a:fontRef>
-        </p:style>
-        <p:txBody>
-          <a:bodyPr rtlCol="0" anchor="ctr"/>
-          <a:lstStyle/>
-          <a:p>
-            <a:pPr algn="ctr"/>
-            <a:endParaRPr lang="es-ES" sz="800" baseline="30000" dirty="0">
-              <a:solidFill>
-                <a:schemeClr val="tx1"/>
-              </a:solidFill>
-              <a:latin typeface="Arial" panose="020B0604020202020204" pitchFamily="34" charset="0"/>
-              <a:cs typeface="Arial" panose="020B0604020202020204" pitchFamily="34" charset="0"/>
-            </a:endParaRPr>
-          </a:p>
-        </p:txBody>
-      </p:sp>
-      <p:sp>
-        <p:nvSpPr>
-          <p:cNvPr id="254" name="Rectángulo 253" descr="Nodo de cuarto nivel&#10;" title="Nodo04"/>
-          <p:cNvSpPr/>
-          <p:nvPr/>
-        </p:nvSpPr>
-        <p:spPr>
-          <a:xfrm>
-            <a:off x="1210075" y="4950791"/>
-            <a:ext cx="1240982" cy="284116"/>
-          </a:xfrm>
-          <a:prstGeom prst="rect">
-            <a:avLst/>
-          </a:prstGeom>
-          <a:noFill/>
-          <a:ln>
-            <a:solidFill>
-              <a:schemeClr val="tx1"/>
-            </a:solidFill>
-          </a:ln>
-        </p:spPr>
-        <p:style>
-          <a:lnRef idx="2">
-            <a:schemeClr val="accent6"/>
-          </a:lnRef>
-          <a:fillRef idx="1">
-            <a:schemeClr val="lt1"/>
-          </a:fillRef>
-          <a:effectRef idx="0">
-            <a:schemeClr val="accent6"/>
-          </a:effectRef>
-          <a:fontRef idx="minor">
-            <a:schemeClr val="dk1"/>
-          </a:fontRef>
-        </p:style>
-        <p:txBody>
-          <a:bodyPr rtlCol="0" anchor="ctr"/>
-          <a:lstStyle/>
-          <a:p>
-            <a:pPr algn="ctr"/>
-            <a:endParaRPr lang="es-ES" sz="800" baseline="30000" dirty="0">
-              <a:solidFill>
-                <a:schemeClr val="tx1"/>
-              </a:solidFill>
-              <a:latin typeface="Arial" panose="020B0604020202020204" pitchFamily="34" charset="0"/>
-              <a:cs typeface="Arial" panose="020B0604020202020204" pitchFamily="34" charset="0"/>
-            </a:endParaRPr>
-          </a:p>
-        </p:txBody>
-      </p:sp>
-      <p:sp>
-        <p:nvSpPr>
-          <p:cNvPr id="255" name="Rectángulo 254" descr="Nodo de cuarto nivel&#10;" title="Nodo04"/>
-          <p:cNvSpPr/>
-          <p:nvPr/>
-        </p:nvSpPr>
-        <p:spPr>
-          <a:xfrm>
-            <a:off x="2464668" y="4371695"/>
-            <a:ext cx="747648" cy="560675"/>
-          </a:xfrm>
-          <a:prstGeom prst="rect">
-            <a:avLst/>
-          </a:prstGeom>
-          <a:noFill/>
-          <a:ln>
-            <a:solidFill>
-              <a:schemeClr val="tx1"/>
-            </a:solidFill>
-          </a:ln>
-        </p:spPr>
-        <p:style>
-          <a:lnRef idx="2">
-            <a:schemeClr val="accent6"/>
-          </a:lnRef>
-          <a:fillRef idx="1">
-            <a:schemeClr val="lt1"/>
-          </a:fillRef>
-          <a:effectRef idx="0">
-            <a:schemeClr val="accent6"/>
-          </a:effectRef>
-          <a:fontRef idx="minor">
-            <a:schemeClr val="dk1"/>
-          </a:fontRef>
-        </p:style>
-        <p:txBody>
-          <a:bodyPr rtlCol="0" anchor="ctr"/>
-          <a:lstStyle/>
-          <a:p>
-            <a:pPr algn="ctr"/>
-            <a:endParaRPr lang="es-ES" sz="800" baseline="30000" dirty="0">
-              <a:solidFill>
-                <a:schemeClr val="tx1"/>
-              </a:solidFill>
-              <a:latin typeface="Arial" panose="020B0604020202020204" pitchFamily="34" charset="0"/>
-              <a:cs typeface="Arial" panose="020B0604020202020204" pitchFamily="34" charset="0"/>
-            </a:endParaRPr>
-          </a:p>
-        </p:txBody>
-      </p:sp>
-      <p:cxnSp>
-        <p:nvCxnSpPr>
-          <p:cNvPr id="288" name="Conector angular 287"/>
-          <p:cNvCxnSpPr>
-            <a:stCxn id="535" idx="2"/>
-            <a:endCxn id="289" idx="0"/>
-          </p:cNvCxnSpPr>
-          <p:nvPr/>
-        </p:nvCxnSpPr>
-        <p:spPr>
-          <a:xfrm rot="16200000" flipH="1">
-            <a:off x="2661346" y="3731980"/>
-            <a:ext cx="290275" cy="17543"/>
-          </a:xfrm>
-          <a:prstGeom prst="bentConnector3">
-            <a:avLst>
-              <a:gd name="adj1" fmla="val 2226"/>
-            </a:avLst>
-          </a:prstGeom>
-          <a:ln w="12700">
-            <a:solidFill>
-              <a:schemeClr val="tx1"/>
-            </a:solidFill>
-          </a:ln>
-        </p:spPr>
-        <p:style>
-          <a:lnRef idx="1">
-            <a:schemeClr val="accent1"/>
-          </a:lnRef>
-          <a:fillRef idx="0">
-            <a:schemeClr val="accent1"/>
-          </a:fillRef>
-          <a:effectRef idx="0">
-            <a:schemeClr val="accent1"/>
-          </a:effectRef>
-          <a:fontRef idx="minor">
-            <a:schemeClr val="tx1"/>
-          </a:fontRef>
-        </p:style>
-      </p:cxnSp>
-      <p:sp>
-        <p:nvSpPr>
-          <p:cNvPr id="289" name="CuadroTexto 288" descr="Conector entre nodos" title="conector"/>
-          <p:cNvSpPr txBox="1"/>
-          <p:nvPr/>
-        </p:nvSpPr>
-        <p:spPr>
-          <a:xfrm>
-            <a:off x="2396025" y="3885890"/>
-            <a:ext cx="838459" cy="215444"/>
-          </a:xfrm>
-          <a:prstGeom prst="rect">
-            <a:avLst/>
-          </a:prstGeom>
-          <a:noFill/>
-        </p:spPr>
-        <p:txBody>
-          <a:bodyPr wrap="square" rtlCol="0">
-            <a:spAutoFit/>
-          </a:bodyPr>
-          <a:lstStyle/>
-          <a:p>
-            <a:pPr algn="ctr"/>
-            <a:r>
-              <a:rPr lang="es-ES" sz="800" dirty="0" smtClean="0">
-                <a:latin typeface="Arial" panose="020B0604020202020204" pitchFamily="34" charset="0"/>
-                <a:cs typeface="Arial" panose="020B0604020202020204" pitchFamily="34" charset="0"/>
-              </a:rPr>
-              <a:t>se desarrolla</a:t>
-            </a:r>
-            <a:endParaRPr lang="es-ES" sz="800" dirty="0">
-              <a:latin typeface="Arial" panose="020B0604020202020204" pitchFamily="34" charset="0"/>
-              <a:cs typeface="Arial" panose="020B0604020202020204" pitchFamily="34" charset="0"/>
-            </a:endParaRPr>
-          </a:p>
-        </p:txBody>
-      </p:sp>
-      <p:cxnSp>
-        <p:nvCxnSpPr>
-          <p:cNvPr id="290" name="Conector angular 289"/>
-          <p:cNvCxnSpPr>
-            <a:endCxn id="255" idx="0"/>
-          </p:cNvCxnSpPr>
-          <p:nvPr/>
-        </p:nvCxnSpPr>
-        <p:spPr>
-          <a:xfrm rot="16200000" flipH="1">
-            <a:off x="2661203" y="4194406"/>
-            <a:ext cx="335838" cy="18739"/>
-          </a:xfrm>
-          <a:prstGeom prst="bentConnector3">
-            <a:avLst>
-              <a:gd name="adj1" fmla="val 50000"/>
-            </a:avLst>
-          </a:prstGeom>
-          <a:ln w="12700">
-            <a:solidFill>
-              <a:schemeClr val="tx1"/>
-            </a:solidFill>
-          </a:ln>
-        </p:spPr>
-        <p:style>
-          <a:lnRef idx="1">
-            <a:schemeClr val="accent1"/>
-          </a:lnRef>
-          <a:fillRef idx="0">
-            <a:schemeClr val="accent1"/>
-          </a:fillRef>
-          <a:effectRef idx="0">
-            <a:schemeClr val="accent1"/>
-          </a:effectRef>
-          <a:fontRef idx="minor">
-            <a:schemeClr val="tx1"/>
-          </a:fontRef>
-        </p:style>
-      </p:cxnSp>
-      <p:cxnSp>
-        <p:nvCxnSpPr>
-          <p:cNvPr id="291" name="Conector angular 290"/>
-          <p:cNvCxnSpPr/>
-          <p:nvPr/>
-        </p:nvCxnSpPr>
-        <p:spPr>
-          <a:xfrm rot="5400000">
-            <a:off x="3344069" y="4252199"/>
-            <a:ext cx="1077129" cy="28097"/>
-          </a:xfrm>
-          <a:prstGeom prst="bentConnector3">
-            <a:avLst>
-              <a:gd name="adj1" fmla="val 978"/>
-            </a:avLst>
-          </a:prstGeom>
-          <a:ln w="12700">
-            <a:solidFill>
-              <a:schemeClr val="tx1"/>
-            </a:solidFill>
-          </a:ln>
-        </p:spPr>
-        <p:style>
-          <a:lnRef idx="1">
-            <a:schemeClr val="accent1"/>
-          </a:lnRef>
-          <a:fillRef idx="0">
-            <a:schemeClr val="accent1"/>
-          </a:fillRef>
-          <a:effectRef idx="0">
-            <a:schemeClr val="accent1"/>
-          </a:effectRef>
-          <a:fontRef idx="minor">
-            <a:schemeClr val="tx1"/>
-          </a:fontRef>
-        </p:style>
-      </p:cxnSp>
-      <p:sp>
-        <p:nvSpPr>
-          <p:cNvPr id="292" name="Rectángulo 291" descr="Nodo de cuarto nivel&#10;" title="Nodo04"/>
-          <p:cNvSpPr/>
-          <p:nvPr/>
-        </p:nvSpPr>
-        <p:spPr>
-          <a:xfrm>
-            <a:off x="3088538" y="5272378"/>
-            <a:ext cx="1369709" cy="193391"/>
-          </a:xfrm>
-          <a:prstGeom prst="rect">
-            <a:avLst/>
-          </a:prstGeom>
-          <a:noFill/>
-          <a:ln>
-            <a:solidFill>
-              <a:schemeClr val="tx1"/>
-            </a:solidFill>
-          </a:ln>
-        </p:spPr>
-        <p:style>
-          <a:lnRef idx="2">
-            <a:schemeClr val="accent6"/>
-          </a:lnRef>
-          <a:fillRef idx="1">
-            <a:schemeClr val="lt1"/>
-          </a:fillRef>
-          <a:effectRef idx="0">
-            <a:schemeClr val="accent6"/>
-          </a:effectRef>
-          <a:fontRef idx="minor">
-            <a:schemeClr val="dk1"/>
-          </a:fontRef>
-        </p:style>
-        <p:txBody>
-          <a:bodyPr rtlCol="0" anchor="ctr"/>
-          <a:lstStyle/>
-          <a:p>
-            <a:pPr algn="ctr"/>
-            <a:endParaRPr lang="es-ES" sz="800" dirty="0">
-              <a:solidFill>
-                <a:schemeClr val="tx1"/>
-              </a:solidFill>
-              <a:latin typeface="Arial" panose="020B0604020202020204" pitchFamily="34" charset="0"/>
-              <a:cs typeface="Arial" panose="020B0604020202020204" pitchFamily="34" charset="0"/>
-            </a:endParaRPr>
-          </a:p>
-        </p:txBody>
-      </p:sp>
-      <p:sp>
-        <p:nvSpPr>
-          <p:cNvPr id="293" name="Rectángulo 292" descr="Nodo de cuarto nivel&#10;" title="Nodo04"/>
-          <p:cNvSpPr/>
-          <p:nvPr/>
-        </p:nvSpPr>
-        <p:spPr>
-          <a:xfrm>
-            <a:off x="3532094" y="6167991"/>
-            <a:ext cx="2342777" cy="242329"/>
-          </a:xfrm>
-          <a:prstGeom prst="rect">
-            <a:avLst/>
-          </a:prstGeom>
-          <a:noFill/>
-          <a:ln>
-            <a:solidFill>
-              <a:schemeClr val="tx1"/>
-            </a:solidFill>
-          </a:ln>
-        </p:spPr>
-        <p:style>
-          <a:lnRef idx="2">
-            <a:schemeClr val="accent6"/>
-          </a:lnRef>
-          <a:fillRef idx="1">
-            <a:schemeClr val="lt1"/>
-          </a:fillRef>
-          <a:effectRef idx="0">
-            <a:schemeClr val="accent6"/>
-          </a:effectRef>
-          <a:fontRef idx="minor">
-            <a:schemeClr val="dk1"/>
-          </a:fontRef>
-        </p:style>
-        <p:txBody>
-          <a:bodyPr rtlCol="0" anchor="ctr"/>
-          <a:lstStyle/>
-          <a:p>
-            <a:pPr algn="ctr"/>
-            <a:endParaRPr lang="es-ES" sz="800" i="1" dirty="0">
-              <a:solidFill>
-                <a:schemeClr val="tx1"/>
-              </a:solidFill>
-              <a:latin typeface="Arial" panose="020B0604020202020204" pitchFamily="34" charset="0"/>
-              <a:cs typeface="Arial" panose="020B0604020202020204" pitchFamily="34" charset="0"/>
-            </a:endParaRPr>
-          </a:p>
-        </p:txBody>
-      </p:sp>
-      <p:cxnSp>
-        <p:nvCxnSpPr>
-          <p:cNvPr id="306" name="Conector angular 305"/>
-          <p:cNvCxnSpPr/>
-          <p:nvPr/>
-        </p:nvCxnSpPr>
-        <p:spPr>
-          <a:xfrm rot="16200000" flipH="1">
-            <a:off x="3753714" y="5129043"/>
-            <a:ext cx="196127" cy="9169"/>
-          </a:xfrm>
-          <a:prstGeom prst="bentConnector3">
-            <a:avLst>
-              <a:gd name="adj1" fmla="val 2318"/>
-            </a:avLst>
-          </a:prstGeom>
-          <a:ln w="12700">
-            <a:solidFill>
-              <a:schemeClr val="tx1"/>
-            </a:solidFill>
-          </a:ln>
-        </p:spPr>
-        <p:style>
-          <a:lnRef idx="1">
-            <a:schemeClr val="accent1"/>
-          </a:lnRef>
-          <a:fillRef idx="0">
-            <a:schemeClr val="accent1"/>
-          </a:fillRef>
-          <a:effectRef idx="0">
-            <a:schemeClr val="accent1"/>
-          </a:effectRef>
-          <a:fontRef idx="minor">
-            <a:schemeClr val="tx1"/>
-          </a:fontRef>
-        </p:style>
-      </p:cxnSp>
-      <p:cxnSp>
-        <p:nvCxnSpPr>
-          <p:cNvPr id="321" name="Conector angular 320"/>
-          <p:cNvCxnSpPr/>
-          <p:nvPr/>
-        </p:nvCxnSpPr>
-        <p:spPr>
-          <a:xfrm rot="16200000" flipH="1">
-            <a:off x="4169956" y="5417519"/>
-            <a:ext cx="1400860" cy="74234"/>
-          </a:xfrm>
-          <a:prstGeom prst="bentConnector3">
-            <a:avLst>
-              <a:gd name="adj1" fmla="val 100769"/>
-            </a:avLst>
-          </a:prstGeom>
-          <a:ln w="12700">
-            <a:solidFill>
-              <a:schemeClr val="tx1"/>
-            </a:solidFill>
-          </a:ln>
-        </p:spPr>
-        <p:style>
-          <a:lnRef idx="1">
-            <a:schemeClr val="accent1"/>
-          </a:lnRef>
-          <a:fillRef idx="0">
-            <a:schemeClr val="accent1"/>
-          </a:fillRef>
-          <a:effectRef idx="0">
-            <a:schemeClr val="accent1"/>
-          </a:effectRef>
-          <a:fontRef idx="minor">
-            <a:schemeClr val="tx1"/>
-          </a:fontRef>
-        </p:style>
-      </p:cxnSp>
-      <p:cxnSp>
-        <p:nvCxnSpPr>
-          <p:cNvPr id="326" name="Conector angular 325"/>
-          <p:cNvCxnSpPr/>
-          <p:nvPr/>
-        </p:nvCxnSpPr>
-        <p:spPr>
-          <a:xfrm rot="16200000" flipH="1">
-            <a:off x="4745325" y="4500476"/>
-            <a:ext cx="196127" cy="9169"/>
-          </a:xfrm>
-          <a:prstGeom prst="bentConnector3">
-            <a:avLst>
-              <a:gd name="adj1" fmla="val 2318"/>
-            </a:avLst>
-          </a:prstGeom>
-          <a:ln w="12700">
-            <a:solidFill>
-              <a:schemeClr val="tx1"/>
-            </a:solidFill>
-          </a:ln>
-        </p:spPr>
-        <p:style>
-          <a:lnRef idx="1">
-            <a:schemeClr val="accent1"/>
-          </a:lnRef>
-          <a:fillRef idx="0">
-            <a:schemeClr val="accent1"/>
-          </a:fillRef>
-          <a:effectRef idx="0">
-            <a:schemeClr val="accent1"/>
-          </a:effectRef>
-          <a:fontRef idx="minor">
-            <a:schemeClr val="tx1"/>
-          </a:fontRef>
-        </p:style>
-      </p:cxnSp>
       <p:cxnSp>
         <p:nvCxnSpPr>
           <p:cNvPr id="336" name="Conector angular 335"/>
@@ -4336,123 +3645,6 @@
       </p:cxnSp>
       <p:cxnSp>
         <p:nvCxnSpPr>
-          <p:cNvPr id="408" name="Conector angular 407"/>
-          <p:cNvCxnSpPr>
-            <a:stCxn id="244" idx="2"/>
-            <a:endCxn id="254" idx="0"/>
-          </p:cNvCxnSpPr>
-          <p:nvPr/>
-        </p:nvCxnSpPr>
-        <p:spPr>
-          <a:xfrm rot="16200000" flipH="1">
-            <a:off x="1487103" y="4607328"/>
-            <a:ext cx="658006" cy="28919"/>
-          </a:xfrm>
-          <a:prstGeom prst="bentConnector3">
-            <a:avLst>
-              <a:gd name="adj1" fmla="val 99955"/>
-            </a:avLst>
-          </a:prstGeom>
-          <a:ln w="12700">
-            <a:solidFill>
-              <a:schemeClr val="tx1"/>
-            </a:solidFill>
-          </a:ln>
-        </p:spPr>
-        <p:style>
-          <a:lnRef idx="1">
-            <a:schemeClr val="accent1"/>
-          </a:lnRef>
-          <a:fillRef idx="0">
-            <a:schemeClr val="accent1"/>
-          </a:fillRef>
-          <a:effectRef idx="0">
-            <a:schemeClr val="accent1"/>
-          </a:effectRef>
-          <a:fontRef idx="minor">
-            <a:schemeClr val="tx1"/>
-          </a:fontRef>
-        </p:style>
-      </p:cxnSp>
-      <p:cxnSp>
-        <p:nvCxnSpPr>
-          <p:cNvPr id="409" name="Conector angular 408"/>
-          <p:cNvCxnSpPr>
-            <a:stCxn id="533" idx="2"/>
-            <a:endCxn id="244" idx="0"/>
-          </p:cNvCxnSpPr>
-          <p:nvPr/>
-        </p:nvCxnSpPr>
-        <p:spPr>
-          <a:xfrm rot="5400000">
-            <a:off x="1760351" y="3971034"/>
-            <a:ext cx="147604" cy="65011"/>
-          </a:xfrm>
-          <a:prstGeom prst="bentConnector3">
-            <a:avLst>
-              <a:gd name="adj1" fmla="val 1413"/>
-            </a:avLst>
-          </a:prstGeom>
-          <a:ln w="12700">
-            <a:solidFill>
-              <a:schemeClr val="tx1"/>
-            </a:solidFill>
-          </a:ln>
-        </p:spPr>
-        <p:style>
-          <a:lnRef idx="1">
-            <a:schemeClr val="accent1"/>
-          </a:lnRef>
-          <a:fillRef idx="0">
-            <a:schemeClr val="accent1"/>
-          </a:fillRef>
-          <a:effectRef idx="0">
-            <a:schemeClr val="accent1"/>
-          </a:effectRef>
-          <a:fontRef idx="minor">
-            <a:schemeClr val="tx1"/>
-          </a:fontRef>
-        </p:style>
-      </p:cxnSp>
-      <p:cxnSp>
-        <p:nvCxnSpPr>
-          <p:cNvPr id="414" name="Conector angular 413"/>
-          <p:cNvCxnSpPr/>
-          <p:nvPr/>
-        </p:nvCxnSpPr>
-        <p:spPr>
-          <a:xfrm rot="16200000" flipH="1">
-            <a:off x="642784" y="4318002"/>
-            <a:ext cx="196127" cy="9169"/>
-          </a:xfrm>
-          <a:prstGeom prst="bentConnector3">
-            <a:avLst>
-              <a:gd name="adj1" fmla="val 2318"/>
-            </a:avLst>
-          </a:prstGeom>
-          <a:ln w="12700">
-            <a:solidFill>
-              <a:schemeClr val="tx1"/>
-            </a:solidFill>
-          </a:ln>
-        </p:spPr>
-        <p:style>
-          <a:lnRef idx="1">
-            <a:schemeClr val="accent1"/>
-          </a:lnRef>
-          <a:fillRef idx="0">
-            <a:schemeClr val="accent1"/>
-          </a:fillRef>
-          <a:effectRef idx="0">
-            <a:schemeClr val="accent1"/>
-          </a:effectRef>
-          <a:fontRef idx="minor">
-            <a:schemeClr val="tx1"/>
-          </a:fontRef>
-        </p:style>
-      </p:cxnSp>
-      <p:cxnSp>
-        <p:nvCxnSpPr>
           <p:cNvPr id="424" name="Conector angular 423"/>
           <p:cNvCxnSpPr/>
           <p:nvPr/>
@@ -4488,296 +3680,102 @@
           </a:fontRef>
         </p:style>
       </p:cxnSp>
-      <p:sp>
-        <p:nvSpPr>
-          <p:cNvPr id="9" name="CuadroTexto 8"/>
-          <p:cNvSpPr txBox="1"/>
-          <p:nvPr/>
-        </p:nvSpPr>
+      <p:pic>
+        <p:nvPicPr>
+          <p:cNvPr id="18" name="Imagen 17"/>
+          <p:cNvPicPr>
+            <a:picLocks noChangeAspect="1"/>
+          </p:cNvPicPr>
+          <p:nvPr/>
+        </p:nvPicPr>
+        <p:blipFill>
+          <a:blip r:embed="rId2"/>
+          <a:stretch>
+            <a:fillRect/>
+          </a:stretch>
+        </p:blipFill>
         <p:spPr>
           <a:xfrm>
-            <a:off x="1200351" y="4942048"/>
-            <a:ext cx="1264317" cy="276999"/>
+            <a:off x="5710795" y="2846948"/>
+            <a:ext cx="647619" cy="180952"/>
           </a:xfrm>
           <a:prstGeom prst="rect">
             <a:avLst/>
           </a:prstGeom>
-          <a:noFill/>
-        </p:spPr>
-        <p:txBody>
-          <a:bodyPr wrap="square" rtlCol="0">
-            <a:spAutoFit/>
-          </a:bodyPr>
-          <a:lstStyle/>
-          <a:p>
-            <a:r>
-              <a:rPr lang="es-CO" sz="1200" dirty="0" smtClean="0"/>
-              <a:t>MA_08_03_008</a:t>
-            </a:r>
-            <a:endParaRPr lang="es-CO" dirty="0"/>
-          </a:p>
-        </p:txBody>
-      </p:sp>
-      <p:sp>
-        <p:nvSpPr>
-          <p:cNvPr id="103" name="CuadroTexto 102"/>
-          <p:cNvSpPr txBox="1"/>
-          <p:nvPr/>
-        </p:nvSpPr>
+        </p:spPr>
+      </p:pic>
+      <p:pic>
+        <p:nvPicPr>
+          <p:cNvPr id="19" name="Imagen 18"/>
+          <p:cNvPicPr>
+            <a:picLocks noChangeAspect="1"/>
+          </p:cNvPicPr>
+          <p:nvPr/>
+        </p:nvPicPr>
+        <p:blipFill>
+          <a:blip r:embed="rId3"/>
+          <a:stretch>
+            <a:fillRect/>
+          </a:stretch>
+        </p:blipFill>
         <p:spPr>
           <a:xfrm>
-            <a:off x="77385" y="4439832"/>
-            <a:ext cx="1962535" cy="553998"/>
+            <a:off x="6661194" y="3274302"/>
+            <a:ext cx="590476" cy="371429"/>
           </a:xfrm>
           <a:prstGeom prst="rect">
             <a:avLst/>
           </a:prstGeom>
-          <a:noFill/>
-        </p:spPr>
-        <p:txBody>
-          <a:bodyPr wrap="square" rtlCol="0">
-            <a:spAutoFit/>
-          </a:bodyPr>
-          <a:lstStyle/>
-          <a:p>
-            <a:r>
-              <a:rPr lang="es-CO" sz="1200" dirty="0" smtClean="0"/>
-              <a:t>MA_08_03_006</a:t>
-            </a:r>
-          </a:p>
-          <a:p>
-            <a:r>
-              <a:rPr lang="es-CO" sz="1200" dirty="0" smtClean="0"/>
-              <a:t>MA_08_03_007</a:t>
-            </a:r>
-            <a:r>
-              <a:rPr lang="es-CO" dirty="0" smtClean="0"/>
-              <a:t> </a:t>
-            </a:r>
-            <a:endParaRPr lang="es-CO" dirty="0"/>
-          </a:p>
-        </p:txBody>
-      </p:sp>
-      <p:sp>
-        <p:nvSpPr>
-          <p:cNvPr id="104" name="CuadroTexto 103"/>
-          <p:cNvSpPr txBox="1"/>
-          <p:nvPr/>
-        </p:nvSpPr>
+        </p:spPr>
+      </p:pic>
+      <p:pic>
+        <p:nvPicPr>
+          <p:cNvPr id="21" name="Imagen 20"/>
+          <p:cNvPicPr>
+            <a:picLocks noChangeAspect="1"/>
+          </p:cNvPicPr>
+          <p:nvPr/>
+        </p:nvPicPr>
+        <p:blipFill>
+          <a:blip r:embed="rId4"/>
+          <a:stretch>
+            <a:fillRect/>
+          </a:stretch>
+        </p:blipFill>
         <p:spPr>
           <a:xfrm>
-            <a:off x="2276518" y="4385995"/>
-            <a:ext cx="1962535" cy="553998"/>
+            <a:off x="7448239" y="3282521"/>
+            <a:ext cx="590476" cy="371429"/>
           </a:xfrm>
           <a:prstGeom prst="rect">
             <a:avLst/>
           </a:prstGeom>
-          <a:noFill/>
-        </p:spPr>
-        <p:txBody>
-          <a:bodyPr wrap="square" rtlCol="0">
-            <a:spAutoFit/>
-          </a:bodyPr>
-          <a:lstStyle/>
-          <a:p>
-            <a:r>
-              <a:rPr lang="es-CO" sz="1200" dirty="0" smtClean="0"/>
-              <a:t>MA_08_03_009</a:t>
-            </a:r>
-          </a:p>
-          <a:p>
-            <a:r>
-              <a:rPr lang="es-CO" sz="1200" dirty="0" smtClean="0"/>
-              <a:t>MA_08_03_010</a:t>
-            </a:r>
-            <a:r>
-              <a:rPr lang="es-CO" dirty="0" smtClean="0"/>
-              <a:t> </a:t>
-            </a:r>
-            <a:endParaRPr lang="es-CO" dirty="0"/>
-          </a:p>
-        </p:txBody>
-      </p:sp>
-      <p:sp>
-        <p:nvSpPr>
-          <p:cNvPr id="105" name="CuadroTexto 104"/>
-          <p:cNvSpPr txBox="1"/>
-          <p:nvPr/>
-        </p:nvSpPr>
+        </p:spPr>
+      </p:pic>
+      <p:pic>
+        <p:nvPicPr>
+          <p:cNvPr id="25" name="Imagen 24"/>
+          <p:cNvPicPr>
+            <a:picLocks noChangeAspect="1"/>
+          </p:cNvPicPr>
+          <p:nvPr/>
+        </p:nvPicPr>
+        <p:blipFill>
+          <a:blip r:embed="rId5"/>
+          <a:stretch>
+            <a:fillRect/>
+          </a:stretch>
+        </p:blipFill>
         <p:spPr>
           <a:xfrm>
-            <a:off x="3192263" y="5224654"/>
-            <a:ext cx="1264317" cy="276999"/>
+            <a:off x="8255436" y="3278751"/>
+            <a:ext cx="600000" cy="371429"/>
           </a:xfrm>
           <a:prstGeom prst="rect">
             <a:avLst/>
           </a:prstGeom>
-          <a:noFill/>
-        </p:spPr>
-        <p:txBody>
-          <a:bodyPr wrap="square" rtlCol="0">
-            <a:spAutoFit/>
-          </a:bodyPr>
-          <a:lstStyle/>
-          <a:p>
-            <a:r>
-              <a:rPr lang="es-CO" sz="1200" dirty="0" smtClean="0"/>
-              <a:t>MA_08_03_011</a:t>
-            </a:r>
-            <a:endParaRPr lang="es-CO" dirty="0"/>
-          </a:p>
-        </p:txBody>
-      </p:sp>
-      <p:sp>
-        <p:nvSpPr>
-          <p:cNvPr id="106" name="CuadroTexto 105"/>
-          <p:cNvSpPr txBox="1"/>
-          <p:nvPr/>
-        </p:nvSpPr>
-        <p:spPr>
-          <a:xfrm>
-            <a:off x="3972848" y="6167991"/>
-            <a:ext cx="1264317" cy="276999"/>
-          </a:xfrm>
-          <a:prstGeom prst="rect">
-            <a:avLst/>
-          </a:prstGeom>
-          <a:noFill/>
-        </p:spPr>
-        <p:txBody>
-          <a:bodyPr wrap="square" rtlCol="0">
-            <a:spAutoFit/>
-          </a:bodyPr>
-          <a:lstStyle/>
-          <a:p>
-            <a:r>
-              <a:rPr lang="es-CO" sz="1200" dirty="0" smtClean="0"/>
-              <a:t>MA_08_03_012</a:t>
-            </a:r>
-            <a:endParaRPr lang="es-CO" dirty="0"/>
-          </a:p>
-        </p:txBody>
-      </p:sp>
-      <p:sp>
-        <p:nvSpPr>
-          <p:cNvPr id="107" name="CuadroTexto 106"/>
-          <p:cNvSpPr txBox="1"/>
-          <p:nvPr/>
-        </p:nvSpPr>
-        <p:spPr>
-          <a:xfrm>
-            <a:off x="5453334" y="2771960"/>
-            <a:ext cx="1264317" cy="276999"/>
-          </a:xfrm>
-          <a:prstGeom prst="rect">
-            <a:avLst/>
-          </a:prstGeom>
-          <a:noFill/>
-        </p:spPr>
-        <p:txBody>
-          <a:bodyPr wrap="square" rtlCol="0">
-            <a:spAutoFit/>
-          </a:bodyPr>
-          <a:lstStyle/>
-          <a:p>
-            <a:r>
-              <a:rPr lang="es-CO" sz="1200" dirty="0" smtClean="0"/>
-              <a:t>MA_08_03_013</a:t>
-            </a:r>
-            <a:endParaRPr lang="es-CO" dirty="0"/>
-          </a:p>
-        </p:txBody>
-      </p:sp>
-      <p:sp>
-        <p:nvSpPr>
-          <p:cNvPr id="108" name="CuadroTexto 107"/>
-          <p:cNvSpPr txBox="1"/>
-          <p:nvPr/>
-        </p:nvSpPr>
-        <p:spPr>
-          <a:xfrm>
-            <a:off x="6393357" y="3348717"/>
-            <a:ext cx="1264317" cy="276999"/>
-          </a:xfrm>
-          <a:prstGeom prst="rect">
-            <a:avLst/>
-          </a:prstGeom>
-          <a:noFill/>
-        </p:spPr>
-        <p:txBody>
-          <a:bodyPr wrap="square" rtlCol="0">
-            <a:spAutoFit/>
-          </a:bodyPr>
-          <a:lstStyle/>
-          <a:p>
-            <a:r>
-              <a:rPr lang="es-CO" sz="1200" dirty="0" smtClean="0"/>
-              <a:t>MA_08_03_014</a:t>
-            </a:r>
-            <a:endParaRPr lang="es-CO" dirty="0"/>
-          </a:p>
-        </p:txBody>
-      </p:sp>
-      <p:sp>
-        <p:nvSpPr>
-          <p:cNvPr id="109" name="CuadroTexto 108"/>
-          <p:cNvSpPr txBox="1"/>
-          <p:nvPr/>
-        </p:nvSpPr>
-        <p:spPr>
-          <a:xfrm>
-            <a:off x="7119337" y="3514081"/>
-            <a:ext cx="1264317" cy="276999"/>
-          </a:xfrm>
-          <a:prstGeom prst="rect">
-            <a:avLst/>
-          </a:prstGeom>
-          <a:noFill/>
-        </p:spPr>
-        <p:txBody>
-          <a:bodyPr wrap="square" rtlCol="0">
-            <a:spAutoFit/>
-          </a:bodyPr>
-          <a:lstStyle/>
-          <a:p>
-            <a:r>
-              <a:rPr lang="es-CO" sz="1200" dirty="0" smtClean="0"/>
-              <a:t>MA_08_03_015</a:t>
-            </a:r>
-            <a:endParaRPr lang="es-CO" dirty="0"/>
-          </a:p>
-        </p:txBody>
-      </p:sp>
-      <p:sp>
-        <p:nvSpPr>
-          <p:cNvPr id="110" name="CuadroTexto 109"/>
-          <p:cNvSpPr txBox="1"/>
-          <p:nvPr/>
-        </p:nvSpPr>
-        <p:spPr>
-          <a:xfrm>
-            <a:off x="8019021" y="3325966"/>
-            <a:ext cx="1264317" cy="276999"/>
-          </a:xfrm>
-          <a:prstGeom prst="rect">
-            <a:avLst/>
-          </a:prstGeom>
-          <a:noFill/>
-        </p:spPr>
-        <p:txBody>
-          <a:bodyPr wrap="square" rtlCol="0">
-            <a:spAutoFit/>
-          </a:bodyPr>
-          <a:lstStyle/>
-          <a:p>
-            <a:r>
-              <a:rPr lang="es-CO" sz="1200" dirty="0" smtClean="0"/>
-              <a:t>MA_08_03_016</a:t>
-            </a:r>
-            <a:endParaRPr lang="es-CO" dirty="0"/>
-          </a:p>
-        </p:txBody>
-      </p:sp>
+        </p:spPr>
+      </p:pic>
     </p:spTree>
     <p:extLst>
       <p:ext uri="{BB962C8B-B14F-4D97-AF65-F5344CB8AC3E}">

--- a/fuentes/contenidos/grado08/guion03/MA_08_03_CO_REC310.pptx
+++ b/fuentes/contenidos/grado08/guion03/MA_08_03_CO_REC310.pptx
@@ -450,7 +450,7 @@
           <a:p>
             <a:fld id="{5001C876-01F7-4317-94B9-1AE222133113}" type="datetimeFigureOut">
               <a:rPr lang="es-ES" smtClean="0"/>
-              <a:t>25/11/2015</a:t>
+              <a:t>26/11/2015</a:t>
             </a:fld>
             <a:endParaRPr lang="es-ES" dirty="0"/>
           </a:p>
@@ -1119,7 +1119,7 @@
         </p:nvSpPr>
         <p:spPr>
           <a:xfrm>
-            <a:off x="7495907" y="2476054"/>
+            <a:off x="7313363" y="2681804"/>
             <a:ext cx="817840" cy="215444"/>
           </a:xfrm>
           <a:prstGeom prst="rect">
@@ -1193,8 +1193,8 @@
         </p:nvSpPr>
         <p:spPr>
           <a:xfrm>
-            <a:off x="6675457" y="3199306"/>
-            <a:ext cx="549068" cy="510903"/>
+            <a:off x="6552428" y="3282521"/>
+            <a:ext cx="672097" cy="589718"/>
           </a:xfrm>
           <a:prstGeom prst="rect">
             <a:avLst/>
@@ -1247,8 +1247,8 @@
         </p:nvSpPr>
         <p:spPr>
           <a:xfrm>
-            <a:off x="6552428" y="4033553"/>
-            <a:ext cx="841529" cy="534222"/>
+            <a:off x="6552428" y="4152900"/>
+            <a:ext cx="672097" cy="679189"/>
           </a:xfrm>
           <a:prstGeom prst="rect">
             <a:avLst/>
@@ -1321,8 +1321,8 @@
         </p:nvCxnSpPr>
         <p:spPr>
           <a:xfrm rot="5400000">
-            <a:off x="7173505" y="2467984"/>
-            <a:ext cx="507808" cy="954836"/>
+            <a:off x="7112744" y="2672981"/>
+            <a:ext cx="385273" cy="833806"/>
           </a:xfrm>
           <a:prstGeom prst="bentConnector3">
             <a:avLst>
@@ -1353,17 +1353,20 @@
       <p:cxnSp>
         <p:nvCxnSpPr>
           <p:cNvPr id="348" name="Conector angular 347"/>
-          <p:cNvCxnSpPr/>
+          <p:cNvCxnSpPr>
+            <a:stCxn id="343" idx="2"/>
+            <a:endCxn id="344" idx="0"/>
+          </p:cNvCxnSpPr>
           <p:nvPr/>
         </p:nvCxnSpPr>
         <p:spPr>
-          <a:xfrm rot="16200000" flipH="1">
-            <a:off x="6809047" y="3876775"/>
-            <a:ext cx="328292" cy="29876"/>
+          <a:xfrm rot="5400000">
+            <a:off x="6748147" y="4012569"/>
+            <a:ext cx="280661" cy="12700"/>
           </a:xfrm>
           <a:prstGeom prst="bentConnector3">
             <a:avLst>
-              <a:gd name="adj1" fmla="val -1663"/>
+              <a:gd name="adj1" fmla="val -907"/>
             </a:avLst>
           </a:prstGeom>
           <a:ln w="12700">
@@ -1432,8 +1435,8 @@
         </p:nvSpPr>
         <p:spPr>
           <a:xfrm>
-            <a:off x="7430113" y="3227097"/>
-            <a:ext cx="647218" cy="502404"/>
+            <a:off x="7322550" y="3288208"/>
+            <a:ext cx="680353" cy="584030"/>
           </a:xfrm>
           <a:prstGeom prst="rect">
             <a:avLst/>
@@ -1486,8 +1489,8 @@
         </p:nvSpPr>
         <p:spPr>
           <a:xfrm>
-            <a:off x="8224609" y="3199307"/>
-            <a:ext cx="654262" cy="517496"/>
+            <a:off x="8098074" y="3288208"/>
+            <a:ext cx="654262" cy="584030"/>
           </a:xfrm>
           <a:prstGeom prst="rect">
             <a:avLst/>
@@ -1538,8 +1541,8 @@
         </p:nvSpPr>
         <p:spPr>
           <a:xfrm>
-            <a:off x="7541883" y="4942048"/>
-            <a:ext cx="817979" cy="523721"/>
+            <a:off x="7324093" y="4152694"/>
+            <a:ext cx="676905" cy="679395"/>
           </a:xfrm>
           <a:prstGeom prst="rect">
             <a:avLst/>
@@ -1619,8 +1622,8 @@
         </p:nvSpPr>
         <p:spPr>
           <a:xfrm>
-            <a:off x="8232001" y="4099976"/>
-            <a:ext cx="646870" cy="747197"/>
+            <a:off x="8109637" y="4152694"/>
+            <a:ext cx="637125" cy="679395"/>
           </a:xfrm>
           <a:prstGeom prst="rect">
             <a:avLst/>
@@ -1693,17 +1696,19 @@
       <p:cxnSp>
         <p:nvCxnSpPr>
           <p:cNvPr id="383" name="Conector angular 382"/>
-          <p:cNvCxnSpPr/>
+          <p:cNvCxnSpPr>
+            <a:stCxn id="370" idx="2"/>
+          </p:cNvCxnSpPr>
           <p:nvPr/>
         </p:nvCxnSpPr>
         <p:spPr>
           <a:xfrm rot="5400000">
-            <a:off x="8289434" y="3909805"/>
-            <a:ext cx="403756" cy="17750"/>
+            <a:off x="8276306" y="4010351"/>
+            <a:ext cx="287012" cy="10787"/>
           </a:xfrm>
           <a:prstGeom prst="bentConnector3">
             <a:avLst>
-              <a:gd name="adj1" fmla="val 687"/>
+              <a:gd name="adj1" fmla="val 97125"/>
             </a:avLst>
           </a:prstGeom>
           <a:ln w="12700">
@@ -1735,12 +1740,12 @@
         </p:nvCxnSpPr>
         <p:spPr>
           <a:xfrm rot="5400000">
-            <a:off x="7658497" y="3164187"/>
-            <a:ext cx="458722" cy="3305"/>
+            <a:off x="7610438" y="3178374"/>
+            <a:ext cx="203558" cy="20132"/>
           </a:xfrm>
           <a:prstGeom prst="bentConnector3">
             <a:avLst>
-              <a:gd name="adj1" fmla="val 50000"/>
+              <a:gd name="adj1" fmla="val 99600"/>
             </a:avLst>
           </a:prstGeom>
           <a:ln w="12700">
@@ -1774,8 +1779,8 @@
         </p:nvCxnSpPr>
         <p:spPr>
           <a:xfrm>
-            <a:off x="7900308" y="3034939"/>
-            <a:ext cx="651432" cy="164368"/>
+            <a:off x="7722283" y="3086661"/>
+            <a:ext cx="702922" cy="201547"/>
           </a:xfrm>
           <a:prstGeom prst="bentConnector2">
             <a:avLst/>
@@ -1809,8 +1814,8 @@
         </p:nvSpPr>
         <p:spPr>
           <a:xfrm>
-            <a:off x="259977" y="3102090"/>
-            <a:ext cx="858018" cy="508918"/>
+            <a:off x="471944" y="3257933"/>
+            <a:ext cx="858018" cy="614306"/>
           </a:xfrm>
           <a:prstGeom prst="rect">
             <a:avLst/>
@@ -1876,8 +1881,8 @@
         </p:nvSpPr>
         <p:spPr>
           <a:xfrm>
-            <a:off x="4314490" y="3368437"/>
-            <a:ext cx="871185" cy="459356"/>
+            <a:off x="4314490" y="3267014"/>
+            <a:ext cx="871185" cy="605226"/>
           </a:xfrm>
           <a:prstGeom prst="rect">
             <a:avLst/>
@@ -1940,8 +1945,8 @@
         </p:nvSpPr>
         <p:spPr>
           <a:xfrm>
-            <a:off x="1306989" y="3287764"/>
-            <a:ext cx="816526" cy="540029"/>
+            <a:off x="1435304" y="3261254"/>
+            <a:ext cx="816526" cy="610985"/>
           </a:xfrm>
           <a:prstGeom prst="rect">
             <a:avLst/>
@@ -1997,7 +2002,7 @@
         </p:nvSpPr>
         <p:spPr>
           <a:xfrm>
-            <a:off x="3212164" y="3267015"/>
+            <a:off x="3252892" y="3267015"/>
             <a:ext cx="962099" cy="605225"/>
           </a:xfrm>
           <a:prstGeom prst="rect">
@@ -2077,8 +2082,8 @@
         </p:nvSpPr>
         <p:spPr>
           <a:xfrm>
-            <a:off x="2252640" y="3277315"/>
-            <a:ext cx="789103" cy="550478"/>
+            <a:off x="2364289" y="3266722"/>
+            <a:ext cx="789103" cy="605517"/>
           </a:xfrm>
           <a:prstGeom prst="rect">
             <a:avLst/>
@@ -2169,18 +2174,20 @@
       <p:cxnSp>
         <p:nvCxnSpPr>
           <p:cNvPr id="285" name="Conector angular 284"/>
-          <p:cNvCxnSpPr/>
+          <p:cNvCxnSpPr>
+            <a:endCxn id="367" idx="0"/>
+          </p:cNvCxnSpPr>
           <p:nvPr/>
         </p:nvCxnSpPr>
         <p:spPr>
-          <a:xfrm rot="16200000" flipH="1">
-            <a:off x="5144011" y="-1831085"/>
-            <a:ext cx="62082" cy="5550504"/>
+          <a:xfrm flipV="1">
+            <a:off x="2399800" y="896690"/>
+            <a:ext cx="5302024" cy="16436"/>
           </a:xfrm>
           <a:prstGeom prst="bentConnector4">
             <a:avLst>
-              <a:gd name="adj1" fmla="val -237563"/>
-              <a:gd name="adj2" fmla="val 100374"/>
+              <a:gd name="adj1" fmla="val -13"/>
+              <a:gd name="adj2" fmla="val 897420"/>
             </a:avLst>
           </a:prstGeom>
           <a:ln w="12700">
@@ -2249,8 +2256,8 @@
         </p:nvSpPr>
         <p:spPr>
           <a:xfrm>
-            <a:off x="1169946" y="1917657"/>
-            <a:ext cx="1920615" cy="498745"/>
+            <a:off x="1169946" y="1917326"/>
+            <a:ext cx="1920615" cy="558727"/>
           </a:xfrm>
           <a:prstGeom prst="rect">
             <a:avLst/>
@@ -2351,8 +2358,8 @@
         </p:nvSpPr>
         <p:spPr>
           <a:xfrm>
-            <a:off x="5535560" y="1929159"/>
-            <a:ext cx="896431" cy="443987"/>
+            <a:off x="5366349" y="1921024"/>
+            <a:ext cx="980425" cy="555030"/>
           </a:xfrm>
           <a:prstGeom prst="rect">
             <a:avLst/>
@@ -2416,8 +2423,8 @@
         </p:nvSpPr>
         <p:spPr>
           <a:xfrm>
-            <a:off x="5459788" y="2433862"/>
-            <a:ext cx="1037097" cy="215444"/>
+            <a:off x="5366349" y="2701552"/>
+            <a:ext cx="965340" cy="215444"/>
           </a:xfrm>
           <a:prstGeom prst="rect">
             <a:avLst/>
@@ -2453,8 +2460,8 @@
         </p:nvSpPr>
         <p:spPr>
           <a:xfrm>
-            <a:off x="5577492" y="2691498"/>
-            <a:ext cx="986980" cy="360732"/>
+            <a:off x="5352018" y="3288209"/>
+            <a:ext cx="994756" cy="584030"/>
           </a:xfrm>
           <a:prstGeom prst="rect">
             <a:avLst/>
@@ -2550,8 +2557,8 @@
         </p:nvSpPr>
         <p:spPr>
           <a:xfrm>
-            <a:off x="5366349" y="3199306"/>
-            <a:ext cx="1340440" cy="215444"/>
+            <a:off x="5331821" y="3983417"/>
+            <a:ext cx="1014952" cy="338554"/>
           </a:xfrm>
           <a:prstGeom prst="rect">
             <a:avLst/>
@@ -2587,8 +2594,8 @@
         </p:nvSpPr>
         <p:spPr>
           <a:xfrm>
-            <a:off x="5655967" y="3514581"/>
-            <a:ext cx="698494" cy="365139"/>
+            <a:off x="5381433" y="4466951"/>
+            <a:ext cx="942431" cy="365139"/>
           </a:xfrm>
           <a:prstGeom prst="rect">
             <a:avLst/>
@@ -2710,7 +2717,7 @@
         </p:nvSpPr>
         <p:spPr>
           <a:xfrm>
-            <a:off x="7566170" y="957380"/>
+            <a:off x="7250815" y="896690"/>
             <a:ext cx="902018" cy="439782"/>
           </a:xfrm>
           <a:prstGeom prst="rect">
@@ -2770,18 +2777,18 @@
           <p:cNvPr id="70" name="Conector angular 69"/>
           <p:cNvCxnSpPr>
             <a:stCxn id="320" idx="0"/>
-            <a:endCxn id="329" idx="0"/>
           </p:cNvCxnSpPr>
           <p:nvPr/>
         </p:nvCxnSpPr>
         <p:spPr>
           <a:xfrm rot="16200000" flipH="1">
-            <a:off x="3998556" y="-305666"/>
-            <a:ext cx="41348" cy="3847260"/>
-          </a:xfrm>
-          <a:prstGeom prst="bentConnector3">
+            <a:off x="3930533" y="-287391"/>
+            <a:ext cx="91096" cy="3760962"/>
+          </a:xfrm>
+          <a:prstGeom prst="bentConnector4">
             <a:avLst>
-              <a:gd name="adj1" fmla="val -240819"/>
+              <a:gd name="adj1" fmla="val -63572"/>
+              <a:gd name="adj2" fmla="val 99875"/>
             </a:avLst>
           </a:prstGeom>
           <a:ln w="12700">
@@ -2808,17 +2815,20 @@
       <p:cxnSp>
         <p:nvCxnSpPr>
           <p:cNvPr id="118" name="Conector angular 117"/>
-          <p:cNvCxnSpPr/>
+          <p:cNvCxnSpPr>
+            <a:stCxn id="320" idx="2"/>
+            <a:endCxn id="322" idx="0"/>
+          </p:cNvCxnSpPr>
           <p:nvPr/>
         </p:nvCxnSpPr>
         <p:spPr>
           <a:xfrm rot="16200000" flipH="1">
-            <a:off x="1977979" y="1828468"/>
-            <a:ext cx="178449" cy="22933"/>
+            <a:off x="2035757" y="1822829"/>
+            <a:ext cx="154340" cy="34654"/>
           </a:xfrm>
           <a:prstGeom prst="bentConnector3">
             <a:avLst>
-              <a:gd name="adj1" fmla="val 97155"/>
+              <a:gd name="adj1" fmla="val 101017"/>
             </a:avLst>
           </a:prstGeom>
           <a:ln w="12700">
@@ -2845,17 +2855,19 @@
       <p:cxnSp>
         <p:nvCxnSpPr>
           <p:cNvPr id="123" name="Conector angular 122"/>
-          <p:cNvCxnSpPr/>
+          <p:cNvCxnSpPr>
+            <a:stCxn id="322" idx="2"/>
+          </p:cNvCxnSpPr>
           <p:nvPr/>
         </p:nvCxnSpPr>
         <p:spPr>
-          <a:xfrm rot="16200000" flipH="1">
-            <a:off x="1985818" y="2501903"/>
-            <a:ext cx="178449" cy="22933"/>
+          <a:xfrm rot="5400000">
+            <a:off x="2045112" y="2517451"/>
+            <a:ext cx="126541" cy="43745"/>
           </a:xfrm>
           <a:prstGeom prst="bentConnector3">
             <a:avLst>
-              <a:gd name="adj1" fmla="val -1435"/>
+              <a:gd name="adj1" fmla="val -181"/>
             </a:avLst>
           </a:prstGeom>
           <a:ln w="12700">
@@ -2887,12 +2899,12 @@
         </p:nvCxnSpPr>
         <p:spPr>
           <a:xfrm>
-            <a:off x="711360" y="2822665"/>
-            <a:ext cx="4003368" cy="15822"/>
+            <a:off x="900953" y="2824658"/>
+            <a:ext cx="3849130" cy="19706"/>
           </a:xfrm>
           <a:prstGeom prst="bentConnector3">
             <a:avLst>
-              <a:gd name="adj1" fmla="val 50000"/>
+              <a:gd name="adj1" fmla="val 99987"/>
             </a:avLst>
           </a:prstGeom>
           <a:ln w="12700">
@@ -2919,17 +2931,19 @@
       <p:cxnSp>
         <p:nvCxnSpPr>
           <p:cNvPr id="157" name="Conector angular 156"/>
-          <p:cNvCxnSpPr/>
+          <p:cNvCxnSpPr>
+            <a:endCxn id="510" idx="0"/>
+          </p:cNvCxnSpPr>
           <p:nvPr/>
         </p:nvCxnSpPr>
         <p:spPr>
           <a:xfrm rot="5400000">
-            <a:off x="594489" y="2955460"/>
-            <a:ext cx="240090" cy="17901"/>
+            <a:off x="682068" y="3039046"/>
+            <a:ext cx="437772" cy="2"/>
           </a:xfrm>
           <a:prstGeom prst="bentConnector3">
             <a:avLst>
-              <a:gd name="adj1" fmla="val 102215"/>
+              <a:gd name="adj1" fmla="val 50000"/>
             </a:avLst>
           </a:prstGeom>
           <a:ln w="12700">
@@ -2963,12 +2977,12 @@
         </p:nvCxnSpPr>
         <p:spPr>
           <a:xfrm rot="16200000" flipH="1">
-            <a:off x="1500147" y="3072659"/>
-            <a:ext cx="415900" cy="14309"/>
+            <a:off x="1617542" y="3035228"/>
+            <a:ext cx="441093" cy="10957"/>
           </a:xfrm>
           <a:prstGeom prst="bentConnector3">
             <a:avLst>
-              <a:gd name="adj1" fmla="val 50000"/>
+              <a:gd name="adj1" fmla="val 766"/>
             </a:avLst>
           </a:prstGeom>
           <a:ln w="12700">
@@ -3001,9 +3015,9 @@
           <p:nvPr/>
         </p:nvCxnSpPr>
         <p:spPr>
-          <a:xfrm rot="5400000">
-            <a:off x="2464338" y="3077659"/>
-            <a:ext cx="382511" cy="16801"/>
+          <a:xfrm rot="16200000" flipH="1">
+            <a:off x="2535360" y="3043241"/>
+            <a:ext cx="446560" cy="401"/>
           </a:xfrm>
           <a:prstGeom prst="bentConnector3">
             <a:avLst>
@@ -3041,8 +3055,8 @@
         </p:nvCxnSpPr>
         <p:spPr>
           <a:xfrm rot="16200000" flipH="1">
-            <a:off x="3483139" y="3056939"/>
-            <a:ext cx="420149" cy="1"/>
+            <a:off x="3509493" y="3042565"/>
+            <a:ext cx="446851" cy="2047"/>
           </a:xfrm>
           <a:prstGeom prst="bentConnector3">
             <a:avLst>
@@ -3079,9 +3093,9 @@
           <p:nvPr/>
         </p:nvCxnSpPr>
         <p:spPr>
-          <a:xfrm rot="16200000" flipH="1">
-            <a:off x="4475471" y="3093824"/>
-            <a:ext cx="521573" cy="27651"/>
+          <a:xfrm rot="5400000">
+            <a:off x="4540505" y="3056443"/>
+            <a:ext cx="420149" cy="992"/>
           </a:xfrm>
           <a:prstGeom prst="bentConnector3">
             <a:avLst>
@@ -3117,7 +3131,7 @@
         </p:nvSpPr>
         <p:spPr>
           <a:xfrm>
-            <a:off x="7771449" y="1508485"/>
+            <a:off x="7547055" y="1464574"/>
             <a:ext cx="381384" cy="215444"/>
           </a:xfrm>
           <a:prstGeom prst="rect">
@@ -3154,8 +3168,8 @@
         </p:nvSpPr>
         <p:spPr>
           <a:xfrm>
-            <a:off x="6940001" y="1763226"/>
-            <a:ext cx="1920615" cy="498745"/>
+            <a:off x="6707218" y="1908565"/>
+            <a:ext cx="2039544" cy="579506"/>
           </a:xfrm>
           <a:prstGeom prst="rect">
             <a:avLst/>
@@ -3214,17 +3228,19 @@
       <p:cxnSp>
         <p:nvCxnSpPr>
           <p:cNvPr id="240" name="Conector angular 239"/>
-          <p:cNvCxnSpPr/>
+          <p:cNvCxnSpPr>
+            <a:stCxn id="369" idx="2"/>
+          </p:cNvCxnSpPr>
           <p:nvPr/>
         </p:nvCxnSpPr>
         <p:spPr>
           <a:xfrm rot="16200000" flipH="1">
-            <a:off x="7240965" y="4334246"/>
-            <a:ext cx="1207144" cy="8460"/>
+            <a:off x="7526750" y="4008215"/>
+            <a:ext cx="280662" cy="8708"/>
           </a:xfrm>
           <a:prstGeom prst="bentConnector3">
             <a:avLst>
-              <a:gd name="adj1" fmla="val -189"/>
+              <a:gd name="adj1" fmla="val 1130"/>
             </a:avLst>
           </a:prstGeom>
           <a:ln w="12700">
@@ -3258,12 +3274,12 @@
         </p:nvCxnSpPr>
         <p:spPr>
           <a:xfrm rot="16200000" flipH="1">
-            <a:off x="5903627" y="1849010"/>
-            <a:ext cx="119380" cy="40917"/>
+            <a:off x="5792719" y="1857181"/>
+            <a:ext cx="120520" cy="7166"/>
           </a:xfrm>
           <a:prstGeom prst="bentConnector3">
             <a:avLst>
-              <a:gd name="adj1" fmla="val 95056"/>
+              <a:gd name="adj1" fmla="val 50000"/>
             </a:avLst>
           </a:prstGeom>
           <a:ln w="12700">
@@ -3290,17 +3306,20 @@
       <p:cxnSp>
         <p:nvCxnSpPr>
           <p:cNvPr id="340" name="Conector angular 339"/>
-          <p:cNvCxnSpPr/>
+          <p:cNvCxnSpPr>
+            <a:stCxn id="330" idx="2"/>
+            <a:endCxn id="358" idx="0"/>
+          </p:cNvCxnSpPr>
           <p:nvPr/>
         </p:nvCxnSpPr>
         <p:spPr>
-          <a:xfrm rot="16200000" flipH="1">
-            <a:off x="5906833" y="2408664"/>
-            <a:ext cx="119380" cy="40917"/>
+          <a:xfrm rot="5400000">
+            <a:off x="5740042" y="2585032"/>
+            <a:ext cx="225498" cy="7543"/>
           </a:xfrm>
           <a:prstGeom prst="bentConnector3">
             <a:avLst>
-              <a:gd name="adj1" fmla="val -5070"/>
+              <a:gd name="adj1" fmla="val 1001"/>
             </a:avLst>
           </a:prstGeom>
           <a:ln w="12700">
@@ -3327,17 +3346,20 @@
       <p:cxnSp>
         <p:nvCxnSpPr>
           <p:cNvPr id="345" name="Conector angular 344"/>
-          <p:cNvCxnSpPr/>
+          <p:cNvCxnSpPr>
+            <a:stCxn id="358" idx="2"/>
+            <a:endCxn id="359" idx="0"/>
+          </p:cNvCxnSpPr>
           <p:nvPr/>
         </p:nvCxnSpPr>
         <p:spPr>
           <a:xfrm rot="16200000" flipH="1">
-            <a:off x="5950782" y="2644549"/>
-            <a:ext cx="119380" cy="40917"/>
+            <a:off x="5663601" y="3102413"/>
+            <a:ext cx="371213" cy="377"/>
           </a:xfrm>
           <a:prstGeom prst="bentConnector3">
             <a:avLst>
-              <a:gd name="adj1" fmla="val 95056"/>
+              <a:gd name="adj1" fmla="val 50000"/>
             </a:avLst>
           </a:prstGeom>
           <a:ln w="12700">
@@ -3364,17 +3386,20 @@
       <p:cxnSp>
         <p:nvCxnSpPr>
           <p:cNvPr id="346" name="Conector angular 345"/>
-          <p:cNvCxnSpPr/>
+          <p:cNvCxnSpPr>
+            <a:stCxn id="359" idx="2"/>
+            <a:endCxn id="360" idx="0"/>
+          </p:cNvCxnSpPr>
           <p:nvPr/>
         </p:nvCxnSpPr>
         <p:spPr>
-          <a:xfrm rot="16200000" flipH="1">
-            <a:off x="5909781" y="3152196"/>
-            <a:ext cx="178449" cy="22933"/>
+          <a:xfrm rot="5400000">
+            <a:off x="5788758" y="3922779"/>
+            <a:ext cx="111178" cy="10099"/>
           </a:xfrm>
           <a:prstGeom prst="bentConnector3">
             <a:avLst>
-              <a:gd name="adj1" fmla="val 105420"/>
+              <a:gd name="adj1" fmla="val 308"/>
             </a:avLst>
           </a:prstGeom>
           <a:ln w="12700">
@@ -3401,17 +3426,20 @@
       <p:cxnSp>
         <p:nvCxnSpPr>
           <p:cNvPr id="350" name="Conector angular 349"/>
-          <p:cNvCxnSpPr/>
+          <p:cNvCxnSpPr>
+            <a:stCxn id="360" idx="2"/>
+            <a:endCxn id="363" idx="0"/>
+          </p:cNvCxnSpPr>
           <p:nvPr/>
         </p:nvCxnSpPr>
         <p:spPr>
           <a:xfrm rot="16200000" flipH="1">
-            <a:off x="5937732" y="3434432"/>
-            <a:ext cx="119380" cy="40917"/>
+            <a:off x="5773483" y="4387785"/>
+            <a:ext cx="144980" cy="13352"/>
           </a:xfrm>
           <a:prstGeom prst="bentConnector3">
             <a:avLst>
-              <a:gd name="adj1" fmla="val 105070"/>
+              <a:gd name="adj1" fmla="val 97303"/>
             </a:avLst>
           </a:prstGeom>
           <a:ln w="12700">
@@ -3505,37 +3533,6 @@
       </p:cxnSp>
       <p:cxnSp>
         <p:nvCxnSpPr>
-          <p:cNvPr id="335" name="Conector recto 334"/>
-          <p:cNvCxnSpPr/>
-          <p:nvPr/>
-        </p:nvCxnSpPr>
-        <p:spPr>
-          <a:xfrm flipH="1">
-            <a:off x="4855470" y="653095"/>
-            <a:ext cx="7728" cy="118860"/>
-          </a:xfrm>
-          <a:prstGeom prst="line">
-            <a:avLst/>
-          </a:prstGeom>
-          <a:ln/>
-        </p:spPr>
-        <p:style>
-          <a:lnRef idx="1">
-            <a:schemeClr val="dk1"/>
-          </a:lnRef>
-          <a:fillRef idx="0">
-            <a:schemeClr val="dk1"/>
-          </a:fillRef>
-          <a:effectRef idx="0">
-            <a:schemeClr val="dk1"/>
-          </a:effectRef>
-          <a:fontRef idx="minor">
-            <a:schemeClr val="tx1"/>
-          </a:fontRef>
-        </p:style>
-      </p:cxnSp>
-      <p:cxnSp>
-        <p:nvCxnSpPr>
           <p:cNvPr id="381" name="Conector recto 380"/>
           <p:cNvCxnSpPr/>
           <p:nvPr/>
@@ -3572,17 +3569,19 @@
       <p:cxnSp>
         <p:nvCxnSpPr>
           <p:cNvPr id="387" name="Conector angular 386"/>
-          <p:cNvCxnSpPr/>
+          <p:cNvCxnSpPr>
+            <a:stCxn id="367" idx="2"/>
+          </p:cNvCxnSpPr>
           <p:nvPr/>
         </p:nvCxnSpPr>
         <p:spPr>
           <a:xfrm rot="16200000" flipH="1">
-            <a:off x="7925419" y="1449093"/>
-            <a:ext cx="119380" cy="40917"/>
+            <a:off x="7631300" y="1406996"/>
+            <a:ext cx="161507" cy="20458"/>
           </a:xfrm>
           <a:prstGeom prst="bentConnector3">
             <a:avLst>
-              <a:gd name="adj1" fmla="val -5070"/>
+              <a:gd name="adj1" fmla="val 459"/>
             </a:avLst>
           </a:prstGeom>
           <a:ln w="12700">
@@ -3609,17 +3608,20 @@
       <p:cxnSp>
         <p:nvCxnSpPr>
           <p:cNvPr id="388" name="Conector angular 387"/>
-          <p:cNvCxnSpPr/>
+          <p:cNvCxnSpPr>
+            <a:stCxn id="193" idx="2"/>
+            <a:endCxn id="194" idx="0"/>
+          </p:cNvCxnSpPr>
           <p:nvPr/>
         </p:nvCxnSpPr>
         <p:spPr>
-          <a:xfrm rot="16200000" flipH="1">
-            <a:off x="7957489" y="1694496"/>
-            <a:ext cx="119380" cy="40917"/>
+          <a:xfrm rot="5400000">
+            <a:off x="7618096" y="1788913"/>
+            <a:ext cx="228547" cy="10757"/>
           </a:xfrm>
           <a:prstGeom prst="bentConnector3">
             <a:avLst>
-              <a:gd name="adj1" fmla="val 95056"/>
+              <a:gd name="adj1" fmla="val 100012"/>
             </a:avLst>
           </a:prstGeom>
           <a:ln w="12700">
@@ -3651,12 +3653,87 @@
         </p:nvCxnSpPr>
         <p:spPr>
           <a:xfrm rot="16200000" flipH="1">
-            <a:off x="2019963" y="2784671"/>
-            <a:ext cx="114508" cy="9882"/>
+            <a:off x="2025006" y="2779628"/>
+            <a:ext cx="100934" cy="6394"/>
           </a:xfrm>
           <a:prstGeom prst="bentConnector3">
             <a:avLst>
-              <a:gd name="adj1" fmla="val 95415"/>
+              <a:gd name="adj1" fmla="val 89635"/>
+            </a:avLst>
+          </a:prstGeom>
+          <a:ln w="12700">
+            <a:solidFill>
+              <a:schemeClr val="tx1"/>
+            </a:solidFill>
+          </a:ln>
+        </p:spPr>
+        <p:style>
+          <a:lnRef idx="1">
+            <a:schemeClr val="accent1"/>
+          </a:lnRef>
+          <a:fillRef idx="0">
+            <a:schemeClr val="accent1"/>
+          </a:fillRef>
+          <a:effectRef idx="0">
+            <a:schemeClr val="accent1"/>
+          </a:effectRef>
+          <a:fontRef idx="minor">
+            <a:schemeClr val="tx1"/>
+          </a:fontRef>
+        </p:style>
+      </p:cxnSp>
+      <p:cxnSp>
+        <p:nvCxnSpPr>
+          <p:cNvPr id="87" name="Conector recto 86"/>
+          <p:cNvCxnSpPr/>
+          <p:nvPr/>
+        </p:nvCxnSpPr>
+        <p:spPr>
+          <a:xfrm flipV="1">
+            <a:off x="4883188" y="683206"/>
+            <a:ext cx="1" cy="83545"/>
+          </a:xfrm>
+          <a:prstGeom prst="line">
+            <a:avLst/>
+          </a:prstGeom>
+          <a:ln w="12700">
+            <a:solidFill>
+              <a:schemeClr val="tx1"/>
+            </a:solidFill>
+          </a:ln>
+        </p:spPr>
+        <p:style>
+          <a:lnRef idx="1">
+            <a:schemeClr val="dk1"/>
+          </a:lnRef>
+          <a:fillRef idx="0">
+            <a:schemeClr val="dk1"/>
+          </a:fillRef>
+          <a:effectRef idx="0">
+            <a:schemeClr val="dk1"/>
+          </a:effectRef>
+          <a:fontRef idx="minor">
+            <a:schemeClr val="tx1"/>
+          </a:fontRef>
+        </p:style>
+      </p:cxnSp>
+      <p:cxnSp>
+        <p:nvCxnSpPr>
+          <p:cNvPr id="127" name="Conector angular 126"/>
+          <p:cNvCxnSpPr>
+            <a:stCxn id="194" idx="2"/>
+            <a:endCxn id="341" idx="0"/>
+          </p:cNvCxnSpPr>
+          <p:nvPr/>
+        </p:nvCxnSpPr>
+        <p:spPr>
+          <a:xfrm rot="5400000">
+            <a:off x="7627771" y="2582584"/>
+            <a:ext cx="193733" cy="4707"/>
+          </a:xfrm>
+          <a:prstGeom prst="bentConnector3">
+            <a:avLst>
+              <a:gd name="adj1" fmla="val 2801"/>
             </a:avLst>
           </a:prstGeom>
           <a:ln w="12700">
@@ -3682,70 +3759,94 @@
       </p:cxnSp>
       <p:pic>
         <p:nvPicPr>
-          <p:cNvPr id="18" name="Imagen 17"/>
+          <p:cNvPr id="129" name="Imagen 128"/>
           <p:cNvPicPr>
             <a:picLocks noChangeAspect="1"/>
           </p:cNvPicPr>
           <p:nvPr/>
         </p:nvPicPr>
         <p:blipFill>
-          <a:blip r:embed="rId2"/>
+          <a:blip r:embed="rId2">
+            <a:extLst>
+              <a:ext uri="{28A0092B-C50C-407E-A947-70E740481C1C}">
+                <a14:useLocalDpi xmlns:a14="http://schemas.microsoft.com/office/drawing/2010/main" val="0"/>
+              </a:ext>
+            </a:extLst>
+          </a:blip>
           <a:stretch>
             <a:fillRect/>
           </a:stretch>
         </p:blipFill>
         <p:spPr>
           <a:xfrm>
-            <a:off x="5710795" y="2846948"/>
-            <a:ext cx="647619" cy="180952"/>
+            <a:off x="5534117" y="3601144"/>
+            <a:ext cx="647700" cy="180975"/>
           </a:xfrm>
           <a:prstGeom prst="rect">
             <a:avLst/>
           </a:prstGeom>
+          <a:noFill/>
+          <a:ln>
+            <a:noFill/>
+          </a:ln>
+          <a:effectLst/>
         </p:spPr>
       </p:pic>
       <p:pic>
         <p:nvPicPr>
-          <p:cNvPr id="19" name="Imagen 18"/>
+          <p:cNvPr id="130" name="Imagen 129"/>
           <p:cNvPicPr>
             <a:picLocks noChangeAspect="1"/>
           </p:cNvPicPr>
           <p:nvPr/>
         </p:nvPicPr>
         <p:blipFill>
-          <a:blip r:embed="rId3"/>
+          <a:blip r:embed="rId3">
+            <a:extLst>
+              <a:ext uri="{28A0092B-C50C-407E-A947-70E740481C1C}">
+                <a14:useLocalDpi xmlns:a14="http://schemas.microsoft.com/office/drawing/2010/main" val="0"/>
+              </a:ext>
+            </a:extLst>
+          </a:blip>
           <a:stretch>
             <a:fillRect/>
           </a:stretch>
         </p:blipFill>
         <p:spPr>
           <a:xfrm>
-            <a:off x="6661194" y="3274302"/>
-            <a:ext cx="590476" cy="371429"/>
+            <a:off x="6593202" y="3404506"/>
+            <a:ext cx="590550" cy="371475"/>
           </a:xfrm>
           <a:prstGeom prst="rect">
             <a:avLst/>
           </a:prstGeom>
+          <a:effectLst/>
         </p:spPr>
       </p:pic>
       <p:pic>
         <p:nvPicPr>
-          <p:cNvPr id="21" name="Imagen 20"/>
+          <p:cNvPr id="132" name="Imagen 131"/>
           <p:cNvPicPr>
             <a:picLocks noChangeAspect="1"/>
           </p:cNvPicPr>
           <p:nvPr/>
         </p:nvPicPr>
         <p:blipFill>
-          <a:blip r:embed="rId4"/>
+          <a:blip r:embed="rId4">
+            <a:extLst>
+              <a:ext uri="{28A0092B-C50C-407E-A947-70E740481C1C}">
+                <a14:useLocalDpi xmlns:a14="http://schemas.microsoft.com/office/drawing/2010/main" val="0"/>
+              </a:ext>
+            </a:extLst>
+          </a:blip>
           <a:stretch>
             <a:fillRect/>
           </a:stretch>
         </p:blipFill>
         <p:spPr>
           <a:xfrm>
-            <a:off x="7448239" y="3282521"/>
-            <a:ext cx="590476" cy="371429"/>
+            <a:off x="7367270" y="3393094"/>
+            <a:ext cx="590550" cy="371475"/>
           </a:xfrm>
           <a:prstGeom prst="rect">
             <a:avLst/>
@@ -3754,22 +3855,28 @@
       </p:pic>
       <p:pic>
         <p:nvPicPr>
-          <p:cNvPr id="25" name="Imagen 24"/>
+          <p:cNvPr id="133" name="Imagen 132"/>
           <p:cNvPicPr>
             <a:picLocks noChangeAspect="1"/>
           </p:cNvPicPr>
           <p:nvPr/>
         </p:nvPicPr>
         <p:blipFill>
-          <a:blip r:embed="rId5"/>
+          <a:blip r:embed="rId5">
+            <a:extLst>
+              <a:ext uri="{28A0092B-C50C-407E-A947-70E740481C1C}">
+                <a14:useLocalDpi xmlns:a14="http://schemas.microsoft.com/office/drawing/2010/main" val="0"/>
+              </a:ext>
+            </a:extLst>
+          </a:blip>
           <a:stretch>
             <a:fillRect/>
           </a:stretch>
         </p:blipFill>
         <p:spPr>
           <a:xfrm>
-            <a:off x="8255436" y="3278751"/>
-            <a:ext cx="600000" cy="371429"/>
+            <a:off x="8131203" y="3393094"/>
+            <a:ext cx="600075" cy="371475"/>
           </a:xfrm>
           <a:prstGeom prst="rect">
             <a:avLst/>

--- a/fuentes/contenidos/grado08/guion03/MA_08_03_CO_REC310.pptx
+++ b/fuentes/contenidos/grado08/guion03/MA_08_03_CO_REC310.pptx
@@ -3766,7 +3766,7 @@
           <p:nvPr/>
         </p:nvPicPr>
         <p:blipFill>
-          <a:blip r:embed="rId2">
+          <a:blip r:embed="rId2" cstate="print">
             <a:extLst>
               <a:ext uri="{28A0092B-C50C-407E-A947-70E740481C1C}">
                 <a14:useLocalDpi xmlns:a14="http://schemas.microsoft.com/office/drawing/2010/main" val="0"/>
@@ -3779,8 +3779,8 @@
         </p:blipFill>
         <p:spPr>
           <a:xfrm>
-            <a:off x="5534117" y="3601144"/>
-            <a:ext cx="647700" cy="180975"/>
+            <a:off x="5534117" y="3604104"/>
+            <a:ext cx="647700" cy="175054"/>
           </a:xfrm>
           <a:prstGeom prst="rect">
             <a:avLst/>
@@ -3801,7 +3801,7 @@
           <p:nvPr/>
         </p:nvPicPr>
         <p:blipFill>
-          <a:blip r:embed="rId3">
+          <a:blip r:embed="rId3" cstate="print">
             <a:extLst>
               <a:ext uri="{28A0092B-C50C-407E-A947-70E740481C1C}">
                 <a14:useLocalDpi xmlns:a14="http://schemas.microsoft.com/office/drawing/2010/main" val="0"/>
@@ -3814,8 +3814,8 @@
         </p:blipFill>
         <p:spPr>
           <a:xfrm>
-            <a:off x="6593202" y="3404506"/>
-            <a:ext cx="590550" cy="371475"/>
+            <a:off x="6593202" y="3411015"/>
+            <a:ext cx="590550" cy="358456"/>
           </a:xfrm>
           <a:prstGeom prst="rect">
             <a:avLst/>
@@ -3832,7 +3832,7 @@
           <p:nvPr/>
         </p:nvPicPr>
         <p:blipFill>
-          <a:blip r:embed="rId4">
+          <a:blip r:embed="rId4" cstate="print">
             <a:extLst>
               <a:ext uri="{28A0092B-C50C-407E-A947-70E740481C1C}">
                 <a14:useLocalDpi xmlns:a14="http://schemas.microsoft.com/office/drawing/2010/main" val="0"/>
@@ -3845,8 +3845,8 @@
         </p:blipFill>
         <p:spPr>
           <a:xfrm>
-            <a:off x="7367270" y="3393094"/>
-            <a:ext cx="590550" cy="371475"/>
+            <a:off x="7367270" y="3401921"/>
+            <a:ext cx="590550" cy="353820"/>
           </a:xfrm>
           <a:prstGeom prst="rect">
             <a:avLst/>
@@ -3862,7 +3862,7 @@
           <p:nvPr/>
         </p:nvPicPr>
         <p:blipFill>
-          <a:blip r:embed="rId5">
+          <a:blip r:embed="rId5" cstate="print">
             <a:extLst>
               <a:ext uri="{28A0092B-C50C-407E-A947-70E740481C1C}">
                 <a14:useLocalDpi xmlns:a14="http://schemas.microsoft.com/office/drawing/2010/main" val="0"/>
@@ -3875,8 +3875,8 @@
         </p:blipFill>
         <p:spPr>
           <a:xfrm>
-            <a:off x="8131203" y="3393094"/>
-            <a:ext cx="600075" cy="371475"/>
+            <a:off x="8131203" y="3399068"/>
+            <a:ext cx="600075" cy="359527"/>
           </a:xfrm>
           <a:prstGeom prst="rect">
             <a:avLst/>
